--- a/python-for-beginners/Slides/6 - Dates.pptx
+++ b/python-for-beginners/Slides/6 - Dates.pptx
@@ -500,7 +500,7 @@
               <a:rPr lang="en-US" smtClean="0">
                 <a:latin typeface="Segoe UI" pitchFamily="34" charset="0"/>
               </a:rPr>
-              <a:t>6/17/2019 10:35 AM</a:t>
+              <a:t>7/17/2020 6:52 PM</a:t>
             </a:fld>
             <a:endParaRPr lang="en-US" dirty="0">
               <a:latin typeface="Segoe UI" pitchFamily="34" charset="0"/>
@@ -778,7 +778,7 @@
           <a:p>
             <a:fld id="{38EEC551-8CDA-4EB6-89BB-2A86C9F091C8}" type="datetime8">
               <a:rPr lang="en-US" smtClean="0"/>
-              <a:t>6/17/2019 10:34 AM</a:t>
+              <a:t>7/17/2020 6:52 PM</a:t>
             </a:fld>
             <a:endParaRPr lang="en-US" dirty="0"/>
           </a:p>
@@ -1112,7 +1112,7 @@
           <a:p>
             <a:fld id="{6108602D-D426-4C00-B215-BFA18C076426}" type="datetime8">
               <a:rPr lang="en-US" smtClean="0"/>
-              <a:t>6/17/2019 10:34 AM</a:t>
+              <a:t>7/17/2020 6:56 PM</a:t>
             </a:fld>
             <a:endParaRPr lang="en-US" dirty="0"/>
           </a:p>
@@ -1277,7 +1277,7 @@
           <a:p>
             <a:fld id="{6108602D-D426-4C00-B215-BFA18C076426}" type="datetime8">
               <a:rPr lang="en-US" smtClean="0"/>
-              <a:t>6/17/2019 10:34 AM</a:t>
+              <a:t>7/17/2020 6:59 PM</a:t>
             </a:fld>
             <a:endParaRPr lang="en-US" dirty="0"/>
           </a:p>
@@ -1442,7 +1442,7 @@
           <a:p>
             <a:fld id="{6108602D-D426-4C00-B215-BFA18C076426}" type="datetime8">
               <a:rPr lang="en-US" smtClean="0"/>
-              <a:t>6/17/2019 10:34 AM</a:t>
+              <a:t>7/17/2020 7:00 PM</a:t>
             </a:fld>
             <a:endParaRPr lang="en-US" dirty="0"/>
           </a:p>
@@ -1607,7 +1607,7 @@
           <a:p>
             <a:fld id="{6108602D-D426-4C00-B215-BFA18C076426}" type="datetime8">
               <a:rPr lang="en-US" smtClean="0"/>
-              <a:t>6/17/2019 10:34 AM</a:t>
+              <a:t>7/17/2020 7:02 PM</a:t>
             </a:fld>
             <a:endParaRPr lang="en-US" dirty="0"/>
           </a:p>
@@ -1772,7 +1772,7 @@
           <a:p>
             <a:fld id="{6108602D-D426-4C00-B215-BFA18C076426}" type="datetime8">
               <a:rPr lang="en-US" smtClean="0"/>
-              <a:t>6/17/2019 10:34 AM</a:t>
+              <a:t>7/17/2020 7:04 PM</a:t>
             </a:fld>
             <a:endParaRPr lang="en-US" dirty="0"/>
           </a:p>
@@ -1937,7 +1937,7 @@
           <a:p>
             <a:fld id="{6108602D-D426-4C00-B215-BFA18C076426}" type="datetime8">
               <a:rPr lang="en-US" smtClean="0"/>
-              <a:t>6/17/2019 10:34 AM</a:t>
+              <a:t>7/17/2020 7:13 PM</a:t>
             </a:fld>
             <a:endParaRPr lang="en-US" dirty="0"/>
           </a:p>
@@ -40235,13 +40235,18 @@
           </a:lstStyle>
           <a:p>
             <a:r>
-              <a:rPr lang="en-US" dirty="0">
+              <a:rPr lang="en-US" dirty="0" err="1">
                 <a:solidFill>
                   <a:schemeClr val="bg1"/>
                 </a:solidFill>
               </a:rPr>
-              <a:t>Dates</a:t>
+              <a:t>Datas</a:t>
             </a:r>
+            <a:endParaRPr lang="en-US" dirty="0">
+              <a:solidFill>
+                <a:schemeClr val="bg1"/>
+              </a:solidFill>
+            </a:endParaRPr>
           </a:p>
         </p:txBody>
       </p:sp>
@@ -40299,9 +40304,10 @@
           <a:lstStyle/>
           <a:p>
             <a:r>
-              <a:rPr lang="en-US" b="1" dirty="0"/>
-              <a:t>We often need current date and time when logging errors and saving data</a:t>
+              <a:rPr lang="pt-BR" b="1" dirty="0"/>
+              <a:t>Muitas vezes precisamos de data e hora atuais ao registrar erros e salvar dados</a:t>
             </a:r>
+            <a:endParaRPr lang="en-US" b="1" dirty="0"/>
           </a:p>
         </p:txBody>
       </p:sp>
@@ -40326,22 +40332,22 @@
           <a:lstStyle/>
           <a:p>
             <a:r>
-              <a:rPr lang="en-US" dirty="0">
+              <a:rPr lang="pt-BR" dirty="0">
                 <a:solidFill>
                   <a:schemeClr val="tx2"/>
                 </a:solidFill>
               </a:rPr>
-              <a:t># To get current date and time </a:t>
+              <a:t># Para obter a data e hora atuais</a:t>
             </a:r>
           </a:p>
           <a:p>
             <a:r>
-              <a:rPr lang="en-US" dirty="0">
+              <a:rPr lang="pt-BR" dirty="0">
                 <a:solidFill>
                   <a:schemeClr val="tx2"/>
                 </a:solidFill>
               </a:rPr>
-              <a:t># we need to use the datetime library</a:t>
+              <a:t># precisamos usar a biblioteca datetime</a:t>
             </a:r>
           </a:p>
           <a:p>
@@ -40378,8 +40384,21 @@
                   <a:schemeClr val="tx2"/>
                 </a:solidFill>
               </a:rPr>
-              <a:t># the now function returns a datetime object</a:t>
+              <a:t># </a:t>
             </a:r>
+            <a:r>
+              <a:rPr lang="pt-BR" dirty="0">
+                <a:solidFill>
+                  <a:schemeClr val="tx2"/>
+                </a:solidFill>
+              </a:rPr>
+              <a:t>a função now retorna um objeto datetime</a:t>
+            </a:r>
+            <a:endParaRPr lang="en-US" dirty="0">
+              <a:solidFill>
+                <a:schemeClr val="tx2"/>
+              </a:solidFill>
+            </a:endParaRPr>
           </a:p>
           <a:p>
             <a:r>
@@ -40392,7 +40411,23 @@
                   <a:srgbClr val="C00000"/>
                 </a:solidFill>
               </a:rPr>
-              <a:t>'Today is: ' </a:t>
+              <a:t>'</a:t>
+            </a:r>
+            <a:r>
+              <a:rPr lang="en-US" dirty="0" err="1">
+                <a:solidFill>
+                  <a:srgbClr val="C00000"/>
+                </a:solidFill>
+              </a:rPr>
+              <a:t>Hoje</a:t>
+            </a:r>
+            <a:r>
+              <a:rPr lang="en-US" dirty="0">
+                <a:solidFill>
+                  <a:srgbClr val="C00000"/>
+                </a:solidFill>
+              </a:rPr>
+              <a:t> é: ' </a:t>
             </a:r>
             <a:r>
               <a:rPr lang="en-US" dirty="0"/>
@@ -40663,12 +40698,20 @@
           </a:lstStyle>
           <a:p>
             <a:r>
+              <a:rPr lang="en-US" dirty="0" err="1">
+                <a:solidFill>
+                  <a:schemeClr val="bg1"/>
+                </a:solidFill>
+              </a:rPr>
+              <a:t>Hoje</a:t>
+            </a:r>
+            <a:r>
               <a:rPr lang="en-US" dirty="0">
                 <a:solidFill>
                   <a:schemeClr val="bg1"/>
                 </a:solidFill>
               </a:rPr>
-              <a:t>Today is: 2019-06-06 16:17:18.694511</a:t>
+              <a:t> é: 2020-07-17 18:56:15.048303</a:t>
             </a:r>
           </a:p>
         </p:txBody>
@@ -40805,9 +40848,10 @@
           <a:lstStyle/>
           <a:p>
             <a:r>
-              <a:rPr lang="en-US" b="1" dirty="0"/>
-              <a:t>There are functions you can use with datetime objects to manipulate dates</a:t>
+              <a:rPr lang="pt-BR" b="1" dirty="0"/>
+              <a:t>Existem funções que você pode usar com objetos de data e hora para manipular datas</a:t>
             </a:r>
+            <a:endParaRPr lang="en-US" b="1" dirty="0"/>
           </a:p>
         </p:txBody>
       </p:sp>
@@ -40866,7 +40910,23 @@
                   <a:srgbClr val="C00000"/>
                 </a:solidFill>
               </a:rPr>
-              <a:t>'Today is: ' </a:t>
+              <a:t>'</a:t>
+            </a:r>
+            <a:r>
+              <a:rPr lang="en-US" sz="2800" dirty="0" err="1">
+                <a:solidFill>
+                  <a:srgbClr val="C00000"/>
+                </a:solidFill>
+              </a:rPr>
+              <a:t>Hoje</a:t>
+            </a:r>
+            <a:r>
+              <a:rPr lang="en-US" sz="2800" dirty="0">
+                <a:solidFill>
+                  <a:srgbClr val="C00000"/>
+                </a:solidFill>
+              </a:rPr>
+              <a:t> é: ' </a:t>
             </a:r>
             <a:r>
               <a:rPr lang="en-US" sz="2800" dirty="0"/>
@@ -40886,21 +40946,18 @@
               <a:t># </a:t>
             </a:r>
             <a:r>
-              <a:rPr lang="en-US" sz="2800" dirty="0" err="1">
+              <a:rPr lang="pt-BR" sz="2800" dirty="0">
                 <a:solidFill>
                   <a:schemeClr val="tx2"/>
                 </a:solidFill>
               </a:rPr>
-              <a:t>timedelta</a:t>
+              <a:t>timedelta é usado para definir um período de tempo</a:t>
             </a:r>
-            <a:r>
-              <a:rPr lang="en-US" sz="2800" dirty="0">
-                <a:solidFill>
-                  <a:schemeClr val="tx2"/>
-                </a:solidFill>
-              </a:rPr>
-              <a:t> is used to define a period of time</a:t>
-            </a:r>
+            <a:endParaRPr lang="en-US" sz="2800" dirty="0">
+              <a:solidFill>
+                <a:schemeClr val="tx2"/>
+              </a:solidFill>
+            </a:endParaRPr>
           </a:p>
           <a:p>
             <a:r>
@@ -40970,7 +41027,39 @@
                   <a:srgbClr val="C00000"/>
                 </a:solidFill>
               </a:rPr>
-              <a:t>'Yesterday was: ' </a:t>
+              <a:t>'</a:t>
+            </a:r>
+            <a:r>
+              <a:rPr lang="en-US" sz="2800" dirty="0" err="1">
+                <a:solidFill>
+                  <a:srgbClr val="C00000"/>
+                </a:solidFill>
+              </a:rPr>
+              <a:t>Ontem</a:t>
+            </a:r>
+            <a:r>
+              <a:rPr lang="en-US" sz="2800" dirty="0">
+                <a:solidFill>
+                  <a:srgbClr val="C00000"/>
+                </a:solidFill>
+              </a:rPr>
+              <a:t> </a:t>
+            </a:r>
+            <a:r>
+              <a:rPr lang="en-US" sz="2800" dirty="0" err="1">
+                <a:solidFill>
+                  <a:srgbClr val="C00000"/>
+                </a:solidFill>
+              </a:rPr>
+              <a:t>foi</a:t>
+            </a:r>
+            <a:r>
+              <a:rPr lang="en-US" sz="2800" dirty="0">
+                <a:solidFill>
+                  <a:srgbClr val="C00000"/>
+                </a:solidFill>
+              </a:rPr>
+              <a:t>: ' </a:t>
             </a:r>
             <a:r>
               <a:rPr lang="en-US" sz="2800" dirty="0"/>
@@ -41236,23 +41325,28 @@
           </a:lstStyle>
           <a:p>
             <a:r>
-              <a:rPr lang="en-US" sz="2800" dirty="0">
+              <a:rPr lang="pt-BR" sz="2800" dirty="0">
                 <a:solidFill>
                   <a:schemeClr val="bg1"/>
                 </a:solidFill>
               </a:rPr>
-              <a:t>Today is: 2019-06-06 16:14:24.615495</a:t>
+              <a:t>Hoje é: 2020-07-17 18:58:40.771669</a:t>
             </a:r>
           </a:p>
           <a:p>
             <a:r>
-              <a:rPr lang="en-US" sz="2800" dirty="0">
+              <a:rPr lang="pt-BR" sz="2800" dirty="0">
                 <a:solidFill>
                   <a:schemeClr val="bg1"/>
                 </a:solidFill>
               </a:rPr>
-              <a:t>Yesterday was: 2019-06-05 16:14:24.615495</a:t>
+              <a:t>Ontem foi: 2020-07-16 18:58:40.771669</a:t>
             </a:r>
+            <a:endParaRPr lang="en-US" sz="2800" dirty="0">
+              <a:solidFill>
+                <a:schemeClr val="bg1"/>
+              </a:solidFill>
+            </a:endParaRPr>
           </a:p>
         </p:txBody>
       </p:sp>
@@ -41388,9 +41482,10 @@
           <a:lstStyle/>
           <a:p>
             <a:r>
-              <a:rPr lang="en-US" b="1" dirty="0"/>
-              <a:t>Use date functions to control date formatting</a:t>
+              <a:rPr lang="pt-BR" b="1" dirty="0"/>
+              <a:t>Use as funções de data para controlar a formatação da data</a:t>
             </a:r>
+            <a:endParaRPr lang="en-US" b="1" dirty="0"/>
           </a:p>
         </p:txBody>
       </p:sp>
@@ -41451,7 +41546,23 @@
                   <a:srgbClr val="C00000"/>
                 </a:solidFill>
               </a:rPr>
-              <a:t>'Day: ' </a:t>
+              <a:t>'</a:t>
+            </a:r>
+            <a:r>
+              <a:rPr lang="en-US" sz="2800" dirty="0" err="1">
+                <a:solidFill>
+                  <a:srgbClr val="C00000"/>
+                </a:solidFill>
+              </a:rPr>
+              <a:t>Dia</a:t>
+            </a:r>
+            <a:r>
+              <a:rPr lang="en-US" sz="2800" dirty="0">
+                <a:solidFill>
+                  <a:srgbClr val="C00000"/>
+                </a:solidFill>
+              </a:rPr>
+              <a:t>: ' </a:t>
             </a:r>
             <a:r>
               <a:rPr lang="en-US" sz="2800" dirty="0"/>
@@ -41481,7 +41592,23 @@
                   <a:srgbClr val="C00000"/>
                 </a:solidFill>
               </a:rPr>
-              <a:t>'Month: ' </a:t>
+              <a:t>'</a:t>
+            </a:r>
+            <a:r>
+              <a:rPr lang="en-US" sz="2800" dirty="0" err="1">
+                <a:solidFill>
+                  <a:srgbClr val="C00000"/>
+                </a:solidFill>
+              </a:rPr>
+              <a:t>Mês</a:t>
+            </a:r>
+            <a:r>
+              <a:rPr lang="en-US" sz="2800" dirty="0">
+                <a:solidFill>
+                  <a:srgbClr val="C00000"/>
+                </a:solidFill>
+              </a:rPr>
+              <a:t>: ' </a:t>
             </a:r>
             <a:r>
               <a:rPr lang="en-US" sz="2800" dirty="0"/>
@@ -41511,7 +41638,23 @@
                   <a:srgbClr val="C00000"/>
                 </a:solidFill>
               </a:rPr>
-              <a:t>'Year: ' </a:t>
+              <a:t>'</a:t>
+            </a:r>
+            <a:r>
+              <a:rPr lang="en-US" sz="2800" dirty="0" err="1">
+                <a:solidFill>
+                  <a:srgbClr val="C00000"/>
+                </a:solidFill>
+              </a:rPr>
+              <a:t>Ano</a:t>
+            </a:r>
+            <a:r>
+              <a:rPr lang="en-US" sz="2800" dirty="0">
+                <a:solidFill>
+                  <a:srgbClr val="C00000"/>
+                </a:solidFill>
+              </a:rPr>
+              <a:t>: ' </a:t>
             </a:r>
             <a:r>
               <a:rPr lang="en-US" sz="2800" dirty="0"/>
@@ -41792,33 +41935,38 @@
           </a:lstStyle>
           <a:p>
             <a:r>
-              <a:rPr lang="en-US" sz="2800" dirty="0">
+              <a:rPr lang="pt-BR" sz="2800" dirty="0">
                 <a:solidFill>
                   <a:schemeClr val="bg1"/>
                 </a:solidFill>
               </a:rPr>
-              <a:t>Day: 6</a:t>
+              <a:t>Dia: 17</a:t>
             </a:r>
           </a:p>
           <a:p>
             <a:r>
-              <a:rPr lang="en-US" sz="2800" dirty="0">
+              <a:rPr lang="pt-BR" sz="2800" dirty="0">
                 <a:solidFill>
                   <a:schemeClr val="bg1"/>
                 </a:solidFill>
               </a:rPr>
-              <a:t>Month: 6</a:t>
+              <a:t>Mês: 7</a:t>
             </a:r>
           </a:p>
           <a:p>
             <a:r>
-              <a:rPr lang="en-US" sz="2800" dirty="0">
+              <a:rPr lang="pt-BR" sz="2800" dirty="0">
                 <a:solidFill>
                   <a:schemeClr val="bg1"/>
                 </a:solidFill>
               </a:rPr>
-              <a:t>Year: 2019</a:t>
+              <a:t>Ano: 2020</a:t>
             </a:r>
+            <a:endParaRPr lang="en-US" sz="2800" dirty="0">
+              <a:solidFill>
+                <a:schemeClr val="bg1"/>
+              </a:solidFill>
+            </a:endParaRPr>
           </a:p>
         </p:txBody>
       </p:sp>
@@ -41950,13 +42098,16 @@
         </p:nvSpPr>
         <p:spPr/>
         <p:txBody>
-          <a:bodyPr/>
+          <a:bodyPr>
+            <a:normAutofit fontScale="90000"/>
+          </a:bodyPr>
           <a:lstStyle/>
           <a:p>
             <a:r>
-              <a:rPr lang="en-US" b="1" dirty="0"/>
-              <a:t>Sometimes you receive the date as a string and need to convert it to a datetime object</a:t>
+              <a:rPr lang="pt-BR" b="1" dirty="0"/>
+              <a:t>Às vezes, você recebe a data como uma sequência e precisa convertê-la em um objeto de data e hora</a:t>
             </a:r>
+            <a:endParaRPr lang="en-US" b="1" dirty="0"/>
           </a:p>
         </p:txBody>
       </p:sp>
@@ -41996,7 +42147,55 @@
                   <a:srgbClr val="C00000"/>
                 </a:solidFill>
               </a:rPr>
-              <a:t>'When is your birthday (dd/mm/</a:t>
+              <a:t>'</a:t>
+            </a:r>
+            <a:r>
+              <a:rPr lang="en-CA" sz="2800" dirty="0" err="1">
+                <a:solidFill>
+                  <a:srgbClr val="C00000"/>
+                </a:solidFill>
+              </a:rPr>
+              <a:t>Quando</a:t>
+            </a:r>
+            <a:r>
+              <a:rPr lang="en-CA" sz="2800" dirty="0">
+                <a:solidFill>
+                  <a:srgbClr val="C00000"/>
+                </a:solidFill>
+              </a:rPr>
+              <a:t> é </a:t>
+            </a:r>
+            <a:r>
+              <a:rPr lang="en-CA" sz="2800" dirty="0" err="1">
+                <a:solidFill>
+                  <a:srgbClr val="C00000"/>
+                </a:solidFill>
+              </a:rPr>
+              <a:t>seu</a:t>
+            </a:r>
+            <a:r>
+              <a:rPr lang="en-CA" sz="2800" dirty="0">
+                <a:solidFill>
+                  <a:srgbClr val="C00000"/>
+                </a:solidFill>
+              </a:rPr>
+              <a:t> </a:t>
+            </a:r>
+            <a:r>
+              <a:rPr lang="en-CA" sz="2800" dirty="0" err="1">
+                <a:solidFill>
+                  <a:srgbClr val="C00000"/>
+                </a:solidFill>
+              </a:rPr>
+              <a:t>aniversário</a:t>
+            </a:r>
+            <a:r>
+              <a:rPr lang="en-CA" sz="2800" dirty="0">
+                <a:solidFill>
+                  <a:srgbClr val="C00000"/>
+                </a:solidFill>
+              </a:rPr>
+              <a:t> (dd/mm/</a:t>
             </a:r>
             <a:r>
               <a:rPr lang="en-CA" sz="2800" dirty="0" err="1">
@@ -42012,7 +42211,7 @@
                   <a:srgbClr val="C00000"/>
                 </a:solidFill>
               </a:rPr>
-              <a:t>)? '</a:t>
+              <a:t>)?'</a:t>
             </a:r>
             <a:r>
               <a:rPr lang="en-CA" sz="2800" dirty="0">
@@ -42088,7 +42287,23 @@
                   <a:srgbClr val="C00000"/>
                 </a:solidFill>
               </a:rPr>
-              <a:t>'Birthday: ' </a:t>
+              <a:t>‘</a:t>
+            </a:r>
+            <a:r>
+              <a:rPr lang="en-US" sz="2800" dirty="0" err="1">
+                <a:solidFill>
+                  <a:srgbClr val="C00000"/>
+                </a:solidFill>
+              </a:rPr>
+              <a:t>Aniversário</a:t>
+            </a:r>
+            <a:r>
+              <a:rPr lang="en-US" sz="2800" dirty="0">
+                <a:solidFill>
+                  <a:srgbClr val="C00000"/>
+                </a:solidFill>
+              </a:rPr>
+              <a:t>: ' </a:t>
             </a:r>
             <a:r>
               <a:rPr lang="en-US" sz="2800" dirty="0"/>
@@ -42359,39 +42574,28 @@
           </a:lstStyle>
           <a:p>
             <a:r>
-              <a:rPr lang="en-US" sz="2800" dirty="0">
+              <a:rPr lang="pt-BR" sz="2800" dirty="0">
                 <a:solidFill>
                   <a:schemeClr val="bg1"/>
                 </a:solidFill>
               </a:rPr>
-              <a:t>When is your birthday (dd/mm/</a:t>
+              <a:t>Quando é seu aniversário (dd/mm/yyyy)? 01/05/1995</a:t>
             </a:r>
+          </a:p>
+          <a:p>
             <a:r>
-              <a:rPr lang="en-US" sz="2800" dirty="0" err="1">
+              <a:rPr lang="pt-BR" sz="2800" dirty="0">
                 <a:solidFill>
                   <a:schemeClr val="bg1"/>
                 </a:solidFill>
               </a:rPr>
-              <a:t>yyyy</a:t>
+              <a:t>Aniversário: 1995-05-01 00:00:00</a:t>
             </a:r>
-            <a:r>
-              <a:rPr lang="en-US" sz="2800" dirty="0">
-                <a:solidFill>
-                  <a:schemeClr val="bg1"/>
-                </a:solidFill>
-              </a:rPr>
-              <a:t>)? 24/04/1998</a:t>
-            </a:r>
-          </a:p>
-          <a:p>
-            <a:r>
-              <a:rPr lang="en-US" sz="2800" dirty="0">
-                <a:solidFill>
-                  <a:schemeClr val="bg1"/>
-                </a:solidFill>
-              </a:rPr>
-              <a:t>Birthday: 1998-04-24 00:00:00</a:t>
-            </a:r>
+            <a:endParaRPr lang="en-US" sz="2800" dirty="0">
+              <a:solidFill>
+                <a:schemeClr val="bg1"/>
+              </a:solidFill>
+            </a:endParaRPr>
           </a:p>
         </p:txBody>
       </p:sp>
@@ -42527,9 +42731,10 @@
           <a:lstStyle/>
           <a:p>
             <a:r>
-              <a:rPr lang="en-US" b="1" dirty="0"/>
-              <a:t>Converting it to a datetime allows you to use the date functions</a:t>
+              <a:rPr lang="pt-BR" b="1" dirty="0"/>
+              <a:t>A conversão para uma data e hora permite que você use as funções de data</a:t>
             </a:r>
+            <a:endParaRPr lang="en-US" b="1" dirty="0"/>
           </a:p>
         </p:txBody>
       </p:sp>
@@ -42584,7 +42789,55 @@
                   <a:srgbClr val="C00000"/>
                 </a:solidFill>
               </a:rPr>
-              <a:t>'When is your birthday (dd/mm/</a:t>
+              <a:t>'</a:t>
+            </a:r>
+            <a:r>
+              <a:rPr lang="en-CA" sz="2800" dirty="0" err="1">
+                <a:solidFill>
+                  <a:srgbClr val="C00000"/>
+                </a:solidFill>
+              </a:rPr>
+              <a:t>Quando</a:t>
+            </a:r>
+            <a:r>
+              <a:rPr lang="en-CA" sz="2800" dirty="0">
+                <a:solidFill>
+                  <a:srgbClr val="C00000"/>
+                </a:solidFill>
+              </a:rPr>
+              <a:t> é </a:t>
+            </a:r>
+            <a:r>
+              <a:rPr lang="en-CA" sz="2800" dirty="0" err="1">
+                <a:solidFill>
+                  <a:srgbClr val="C00000"/>
+                </a:solidFill>
+              </a:rPr>
+              <a:t>seu</a:t>
+            </a:r>
+            <a:r>
+              <a:rPr lang="en-CA" sz="2800" dirty="0">
+                <a:solidFill>
+                  <a:srgbClr val="C00000"/>
+                </a:solidFill>
+              </a:rPr>
+              <a:t> </a:t>
+            </a:r>
+            <a:r>
+              <a:rPr lang="en-CA" sz="2800" dirty="0" err="1">
+                <a:solidFill>
+                  <a:srgbClr val="C00000"/>
+                </a:solidFill>
+              </a:rPr>
+              <a:t>aniversário</a:t>
+            </a:r>
+            <a:r>
+              <a:rPr lang="en-CA" sz="2800" dirty="0">
+                <a:solidFill>
+                  <a:srgbClr val="C00000"/>
+                </a:solidFill>
+              </a:rPr>
+              <a:t> (dd/mm/</a:t>
             </a:r>
             <a:r>
               <a:rPr lang="en-CA" sz="2800" dirty="0" err="1">
@@ -42600,7 +42853,7 @@
                   <a:srgbClr val="C00000"/>
                 </a:solidFill>
               </a:rPr>
-              <a:t>)? '</a:t>
+              <a:t>)?'</a:t>
             </a:r>
             <a:r>
               <a:rPr lang="en-CA" sz="2800" dirty="0">
@@ -42658,7 +42911,23 @@
                   <a:srgbClr val="C00000"/>
                 </a:solidFill>
               </a:rPr>
-              <a:t>'Birthday: ' </a:t>
+              <a:t>'</a:t>
+            </a:r>
+            <a:r>
+              <a:rPr lang="en-US" sz="2800" dirty="0" err="1">
+                <a:solidFill>
+                  <a:srgbClr val="C00000"/>
+                </a:solidFill>
+              </a:rPr>
+              <a:t>Aniversário</a:t>
+            </a:r>
+            <a:r>
+              <a:rPr lang="en-US" sz="2800" dirty="0">
+                <a:solidFill>
+                  <a:srgbClr val="C00000"/>
+                </a:solidFill>
+              </a:rPr>
+              <a:t>: ' </a:t>
             </a:r>
             <a:r>
               <a:rPr lang="en-US" sz="2800" dirty="0"/>
@@ -43042,49 +43311,38 @@
           </a:lstStyle>
           <a:p>
             <a:r>
-              <a:rPr lang="en-US" sz="2800" dirty="0">
+              <a:rPr lang="pt-BR" sz="2800" dirty="0">
                 <a:solidFill>
                   <a:schemeClr val="bg1"/>
                 </a:solidFill>
               </a:rPr>
-              <a:t>When is your birthday (dd/mm/</a:t>
+              <a:t>Quando é seu aniversário (dd/mm/yyyy)?01/05/1995</a:t>
             </a:r>
+          </a:p>
+          <a:p>
             <a:r>
-              <a:rPr lang="en-US" sz="2800" dirty="0" err="1">
+              <a:rPr lang="pt-BR" sz="2800" dirty="0">
                 <a:solidFill>
                   <a:schemeClr val="bg1"/>
                 </a:solidFill>
               </a:rPr>
-              <a:t>yyyy</a:t>
+              <a:t>Aniversário: 1995-05-01 00:00:00</a:t>
             </a:r>
+          </a:p>
+          <a:p>
             <a:r>
-              <a:rPr lang="en-US" sz="2800" dirty="0">
+              <a:rPr lang="pt-BR" sz="2800" dirty="0">
                 <a:solidFill>
                   <a:schemeClr val="bg1"/>
                 </a:solidFill>
               </a:rPr>
-              <a:t>)? 24/04/1998</a:t>
+              <a:t>Um dia antes do aniversário: 1995-04-30 00:00:00</a:t>
             </a:r>
-          </a:p>
-          <a:p>
-            <a:r>
-              <a:rPr lang="en-US" sz="2800" dirty="0">
-                <a:solidFill>
-                  <a:schemeClr val="bg1"/>
-                </a:solidFill>
-              </a:rPr>
-              <a:t>Birthday: 1998-04-24 00:00:00</a:t>
-            </a:r>
-          </a:p>
-          <a:p>
-            <a:r>
-              <a:rPr lang="en-US" sz="2800" dirty="0">
-                <a:solidFill>
-                  <a:schemeClr val="bg1"/>
-                </a:solidFill>
-              </a:rPr>
-              <a:t>Day before birthday: 1998-04-23 00:00:00</a:t>
-            </a:r>
+            <a:endParaRPr lang="en-US" sz="2800" dirty="0">
+              <a:solidFill>
+                <a:schemeClr val="bg1"/>
+              </a:solidFill>
+            </a:endParaRPr>
           </a:p>
         </p:txBody>
       </p:sp>
@@ -43216,13 +43474,16 @@
         </p:nvSpPr>
         <p:spPr/>
         <p:txBody>
-          <a:bodyPr/>
+          <a:bodyPr>
+            <a:normAutofit fontScale="90000"/>
+          </a:bodyPr>
           <a:lstStyle/>
           <a:p>
             <a:r>
-              <a:rPr lang="en-US" b="1" dirty="0"/>
-              <a:t>Make sure you add exception handling in case  the date entered is invalid</a:t>
+              <a:rPr lang="pt-BR" b="1" dirty="0"/>
+              <a:t>Certifique-se de adicionar tratamento de exceção caso a data inserida seja inválida</a:t>
             </a:r>
+            <a:endParaRPr lang="en-US" b="1" dirty="0"/>
           </a:p>
         </p:txBody>
       </p:sp>
@@ -43595,12 +43856,60 @@
           </a:lstStyle>
           <a:p>
             <a:r>
+              <a:rPr lang="en-US" sz="2400" dirty="0" err="1">
+                <a:solidFill>
+                  <a:schemeClr val="bg1"/>
+                </a:solidFill>
+              </a:rPr>
+              <a:t>Quando</a:t>
+            </a:r>
+            <a:r>
               <a:rPr lang="en-US" sz="2400" dirty="0">
                 <a:solidFill>
                   <a:schemeClr val="bg1"/>
                 </a:solidFill>
               </a:rPr>
-              <a:t>When is your birthday (dd/mm/</a:t>
+              <a:t> é </a:t>
+            </a:r>
+            <a:r>
+              <a:rPr lang="en-US" sz="2400" dirty="0" err="1">
+                <a:solidFill>
+                  <a:schemeClr val="bg1"/>
+                </a:solidFill>
+              </a:rPr>
+              <a:t>seu</a:t>
+            </a:r>
+            <a:r>
+              <a:rPr lang="en-US" sz="2400" dirty="0">
+                <a:solidFill>
+                  <a:schemeClr val="bg1"/>
+                </a:solidFill>
+              </a:rPr>
+              <a:t> </a:t>
+            </a:r>
+            <a:r>
+              <a:rPr lang="en-US" sz="2400" dirty="0" err="1">
+                <a:solidFill>
+                  <a:schemeClr val="bg1"/>
+                </a:solidFill>
+              </a:rPr>
+              <a:t>aniversário</a:t>
+            </a:r>
+            <a:r>
+              <a:rPr lang="en-US" sz="2400">
+                <a:solidFill>
+                  <a:schemeClr val="bg1"/>
+                </a:solidFill>
+              </a:rPr>
+              <a:t> (</a:t>
+            </a:r>
+            <a:r>
+              <a:rPr lang="en-US" sz="2400" dirty="0">
+                <a:solidFill>
+                  <a:schemeClr val="bg1"/>
+                </a:solidFill>
+              </a:rPr>
+              <a:t>dd/mm/</a:t>
             </a:r>
             <a:r>
               <a:rPr lang="en-US" sz="2400" dirty="0" err="1">
@@ -45072,7 +45381,7 @@
 
 <file path=customXml/item1.xml><?xml version="1.0" encoding="utf-8"?>
 <Control xmlns="http://schemas.microsoft.com/VisualStudio/2011/storyboarding/control">
-  <Id Name="d69996e1-3d61-4686-9b63-f1b855c596ab" Revision="1" Stencil="7276b9ef-3953-4dce-a89b-ed85f20b8b93" StencilVersion="1.0"/>
+  <Id Name="369f9055-6b6c-48b9-9320-5df2d46c430a" Revision="1" Stencil="7276b9ef-3953-4dce-a89b-ed85f20b8b93" StencilVersion="1.0"/>
 </Control>
 </file>
 
@@ -45086,6 +45395,12 @@
 </file>
 
 <file path=customXml/item11.xml><?xml version="1.0" encoding="utf-8"?>
+<Control xmlns="http://schemas.microsoft.com/VisualStudio/2011/storyboarding/control">
+  <Id Name="d69996e1-3d61-4686-9b63-f1b855c596ab" Revision="1" Stencil="7276b9ef-3953-4dce-a89b-ed85f20b8b93" StencilVersion="1.0"/>
+</Control>
+</file>
+
+<file path=customXml/item12.xml><?xml version="1.0" encoding="utf-8"?>
 <p:properties xmlns:p="http://schemas.microsoft.com/office/2006/metadata/properties" xmlns:xsi="http://www.w3.org/2001/XMLSchema-instance" xmlns:pc="http://schemas.microsoft.com/office/infopath/2007/PartnerControls">
   <documentManagement>
     <SharedWithUsers xmlns="83cd2334-221a-48c3-9034-bfd1542dfe28">
@@ -45109,19 +45424,7 @@
 </p:properties>
 </file>
 
-<file path=customXml/item12.xml><?xml version="1.0" encoding="utf-8"?>
-<Control xmlns="http://schemas.microsoft.com/VisualStudio/2011/storyboarding/control">
-  <Id Name="d69996e1-3d61-4686-9b63-f1b855c596ab" Revision="1" Stencil="7276b9ef-3953-4dce-a89b-ed85f20b8b93" StencilVersion="1.0"/>
-</Control>
-</file>
-
 <file path=customXml/item13.xml><?xml version="1.0" encoding="utf-8"?>
-<Control xmlns="http://schemas.microsoft.com/VisualStudio/2011/storyboarding/control">
-  <Id Name="a53d73d2-368b-429e-b817-1324eec1382c" Revision="1" Stencil="7276b9ef-3953-4dce-a89b-ed85f20b8b93" StencilVersion="1.0"/>
-</Control>
-</file>
-
-<file path=customXml/item14.xml><?xml version="1.0" encoding="utf-8"?>
 <p:properties xmlns:p="http://schemas.microsoft.com/office/2006/metadata/properties" xmlns:xsi="http://www.w3.org/2001/XMLSchema-instance" xmlns:pc="http://schemas.microsoft.com/office/infopath/2007/PartnerControls">
   <documentManagement>
     <SharedWithUsers xmlns="83cd2334-221a-48c3-9034-bfd1542dfe28">
@@ -45145,16 +45448,13 @@
 </p:properties>
 </file>
 
-<file path=customXml/item15.xml><?xml version="1.0" encoding="utf-8"?>
-<?mso-contentType ?>
-<FormTemplates xmlns="http://schemas.microsoft.com/sharepoint/v3/contenttype/forms">
-  <Display>DocumentLibraryForm</Display>
-  <Edit>DocumentLibraryForm</Edit>
-  <New>DocumentLibraryForm</New>
-</FormTemplates>
+<file path=customXml/item14.xml><?xml version="1.0" encoding="utf-8"?>
+<Control xmlns="http://schemas.microsoft.com/VisualStudio/2011/storyboarding/control">
+  <Id Name="a53d73d2-368b-429e-b817-1324eec1382c" Revision="1" Stencil="7276b9ef-3953-4dce-a89b-ed85f20b8b93" StencilVersion="1.0"/>
+</Control>
 </file>
 
-<file path=customXml/item16.xml><?xml version="1.0" encoding="utf-8"?>
+<file path=customXml/item15.xml><?xml version="1.0" encoding="utf-8"?>
 <p:properties xmlns:p="http://schemas.microsoft.com/office/2006/metadata/properties" xmlns:xsi="http://www.w3.org/2001/XMLSchema-instance" xmlns:pc="http://schemas.microsoft.com/office/infopath/2007/PartnerControls">
   <documentManagement>
     <SharedWithUsers xmlns="83cd2334-221a-48c3-9034-bfd1542dfe28">
@@ -45178,7 +45478,19 @@
 </p:properties>
 </file>
 
+<file path=customXml/item16.xml><?xml version="1.0" encoding="utf-8"?>
+<Control xmlns="http://schemas.microsoft.com/VisualStudio/2011/storyboarding/control">
+  <Id Name="369f9055-6b6c-48b9-9320-5df2d46c430a" Revision="1" Stencil="7276b9ef-3953-4dce-a89b-ed85f20b8b93" StencilVersion="1.0"/>
+</Control>
+</file>
+
 <file path=customXml/item17.xml><?xml version="1.0" encoding="utf-8"?>
+<Control xmlns="http://schemas.microsoft.com/VisualStudio/2011/storyboarding/control">
+  <Id Name="fb22c541-ded0-47fa-8877-83a4c2d16227" Revision="1" Stencil="7276b9ef-3953-4dce-a89b-ed85f20b8b93" StencilVersion="1.0"/>
+</Control>
+</file>
+
+<file path=customXml/item18.xml><?xml version="1.0" encoding="utf-8"?>
 <p:properties xmlns:p="http://schemas.microsoft.com/office/2006/metadata/properties" xmlns:xsi="http://www.w3.org/2001/XMLSchema-instance" xmlns:pc="http://schemas.microsoft.com/office/infopath/2007/PartnerControls">
   <documentManagement>
     <SharedWithUsers xmlns="83cd2334-221a-48c3-9034-bfd1542dfe28">
@@ -45202,12 +45514,6 @@
 </p:properties>
 </file>
 
-<file path=customXml/item18.xml><?xml version="1.0" encoding="utf-8"?>
-<Control xmlns="http://schemas.microsoft.com/VisualStudio/2011/storyboarding/control">
-  <Id Name="d69996e1-3d61-4686-9b63-f1b855c596ab" Revision="1" Stencil="7276b9ef-3953-4dce-a89b-ed85f20b8b93" StencilVersion="1.0"/>
-</Control>
-</file>
-
 <file path=customXml/item19.xml><?xml version="1.0" encoding="utf-8"?>
 <Control xmlns="http://schemas.microsoft.com/VisualStudio/2011/storyboarding/control">
   <Id Name="fb22c541-ded0-47fa-8877-83a4c2d16227" Revision="1" Stencil="7276b9ef-3953-4dce-a89b-ed85f20b8b93" StencilVersion="1.0"/>
@@ -45216,20 +45522,41 @@
 
 <file path=customXml/item2.xml><?xml version="1.0" encoding="utf-8"?>
 <Control xmlns="http://schemas.microsoft.com/VisualStudio/2011/storyboarding/control">
-  <Id Name="a2191c86-fc50-4add-948c-129f6b5a88d8" Revision="1" Stencil="7276b9ef-3953-4dce-a89b-ed85f20b8b93" StencilVersion="1.0"/>
+  <Id Name="a53d73d2-368b-429e-b817-1324eec1382c" Revision="1" Stencil="7276b9ef-3953-4dce-a89b-ed85f20b8b93" StencilVersion="1.0"/>
 </Control>
 </file>
 
 <file path=customXml/item20.xml><?xml version="1.0" encoding="utf-8"?>
-<Control xmlns="http://schemas.microsoft.com/VisualStudio/2011/storyboarding/control">
-  <Id Name="369f9055-6b6c-48b9-9320-5df2d46c430a" Revision="1" Stencil="7276b9ef-3953-4dce-a89b-ed85f20b8b93" StencilVersion="1.0"/>
-</Control>
+<?mso-contentType ?>
+<FormTemplates xmlns="http://schemas.microsoft.com/sharepoint/v3/contenttype/forms">
+  <Display>DocumentLibraryForm</Display>
+  <Edit>DocumentLibraryForm</Edit>
+  <New>DocumentLibraryForm</New>
+</FormTemplates>
 </file>
 
 <file path=customXml/item21.xml><?xml version="1.0" encoding="utf-8"?>
-<Control xmlns="http://schemas.microsoft.com/VisualStudio/2011/storyboarding/control">
-  <Id Name="a53d73d2-368b-429e-b817-1324eec1382c" Revision="1" Stencil="7276b9ef-3953-4dce-a89b-ed85f20b8b93" StencilVersion="1.0"/>
-</Control>
+<p:properties xmlns:p="http://schemas.microsoft.com/office/2006/metadata/properties" xmlns:xsi="http://www.w3.org/2001/XMLSchema-instance" xmlns:pc="http://schemas.microsoft.com/office/infopath/2007/PartnerControls">
+  <documentManagement>
+    <SharedWithUsers xmlns="83cd2334-221a-48c3-9034-bfd1542dfe28">
+      <UserInfo>
+        <DisplayName>Gilad Turbahn</DisplayName>
+        <AccountId>511</AccountId>
+        <AccountType/>
+      </UserInfo>
+      <UserInfo>
+        <DisplayName>Keith Boyd</DisplayName>
+        <AccountId>993</AccountId>
+        <AccountType/>
+      </UserInfo>
+      <UserInfo>
+        <DisplayName>Christopher Harrison</DisplayName>
+        <AccountId>1176</AccountId>
+        <AccountType/>
+      </UserInfo>
+    </SharedWithUsers>
+  </documentManagement>
+</p:properties>
 </file>
 
 <file path=customXml/item22.xml><?xml version="1.0" encoding="utf-8"?>
@@ -45240,11 +45567,95 @@
 
 <file path=customXml/item23.xml><?xml version="1.0" encoding="utf-8"?>
 <Control xmlns="http://schemas.microsoft.com/VisualStudio/2011/storyboarding/control">
-  <Id Name="fb22c541-ded0-47fa-8877-83a4c2d16227" Revision="1" Stencil="7276b9ef-3953-4dce-a89b-ed85f20b8b93" StencilVersion="1.0"/>
+  <Id Name="a53d73d2-368b-429e-b817-1324eec1382c" Revision="1" Stencil="7276b9ef-3953-4dce-a89b-ed85f20b8b93" StencilVersion="1.0"/>
 </Control>
 </file>
 
 <file path=customXml/item24.xml><?xml version="1.0" encoding="utf-8"?>
+<Control xmlns="http://schemas.microsoft.com/VisualStudio/2011/storyboarding/control">
+  <Id Name="a53d73d2-368b-429e-b817-1324eec1382c" Revision="1" Stencil="7276b9ef-3953-4dce-a89b-ed85f20b8b93" StencilVersion="1.0"/>
+</Control>
+</file>
+
+<file path=customXml/item25.xml><?xml version="1.0" encoding="utf-8"?>
+<Control xmlns="http://schemas.microsoft.com/VisualStudio/2011/storyboarding/control">
+  <Id Name="a53d73d2-368b-429e-b817-1324eec1382c" Revision="1" Stencil="7276b9ef-3953-4dce-a89b-ed85f20b8b93" StencilVersion="1.0"/>
+</Control>
+</file>
+
+<file path=customXml/item26.xml><?xml version="1.0" encoding="utf-8"?>
+<Control xmlns="http://schemas.microsoft.com/VisualStudio/2011/storyboarding/control">
+  <Id Name="a2191c86-fc50-4add-948c-129f6b5a88d8" Revision="1" Stencil="7276b9ef-3953-4dce-a89b-ed85f20b8b93" StencilVersion="1.0"/>
+</Control>
+</file>
+
+<file path=customXml/item27.xml><?xml version="1.0" encoding="utf-8"?>
+<Control xmlns="http://schemas.microsoft.com/VisualStudio/2011/storyboarding/control">
+  <Id Name="369f9055-6b6c-48b9-9320-5df2d46c430a" Revision="1" Stencil="7276b9ef-3953-4dce-a89b-ed85f20b8b93" StencilVersion="1.0"/>
+</Control>
+</file>
+
+<file path=customXml/item28.xml><?xml version="1.0" encoding="utf-8"?>
+<Control xmlns="http://schemas.microsoft.com/VisualStudio/2011/storyboarding/control">
+  <Id Name="d69996e1-3d61-4686-9b63-f1b855c596ab" Revision="1" Stencil="7276b9ef-3953-4dce-a89b-ed85f20b8b93" StencilVersion="1.0"/>
+</Control>
+</file>
+
+<file path=customXml/item29.xml><?xml version="1.0" encoding="utf-8"?>
+<p:properties xmlns:p="http://schemas.microsoft.com/office/2006/metadata/properties" xmlns:xsi="http://www.w3.org/2001/XMLSchema-instance" xmlns:pc="http://schemas.microsoft.com/office/infopath/2007/PartnerControls">
+  <documentManagement>
+    <SharedWithUsers xmlns="83cd2334-221a-48c3-9034-bfd1542dfe28">
+      <UserInfo>
+        <DisplayName>Gilad Turbahn</DisplayName>
+        <AccountId>511</AccountId>
+        <AccountType/>
+      </UserInfo>
+      <UserInfo>
+        <DisplayName>Keith Boyd</DisplayName>
+        <AccountId>993</AccountId>
+        <AccountType/>
+      </UserInfo>
+      <UserInfo>
+        <DisplayName>Christopher Harrison</DisplayName>
+        <AccountId>1176</AccountId>
+        <AccountType/>
+      </UserInfo>
+    </SharedWithUsers>
+  </documentManagement>
+</p:properties>
+</file>
+
+<file path=customXml/item3.xml><?xml version="1.0" encoding="utf-8"?>
+<p:properties xmlns:p="http://schemas.microsoft.com/office/2006/metadata/properties" xmlns:xsi="http://www.w3.org/2001/XMLSchema-instance" xmlns:pc="http://schemas.microsoft.com/office/infopath/2007/PartnerControls">
+  <documentManagement>
+    <SharedWithUsers xmlns="83cd2334-221a-48c3-9034-bfd1542dfe28">
+      <UserInfo>
+        <DisplayName>Gilad Turbahn</DisplayName>
+        <AccountId>511</AccountId>
+        <AccountType/>
+      </UserInfo>
+      <UserInfo>
+        <DisplayName>Keith Boyd</DisplayName>
+        <AccountId>993</AccountId>
+        <AccountType/>
+      </UserInfo>
+      <UserInfo>
+        <DisplayName>Christopher Harrison</DisplayName>
+        <AccountId>1176</AccountId>
+        <AccountType/>
+      </UserInfo>
+    </SharedWithUsers>
+  </documentManagement>
+</p:properties>
+</file>
+
+<file path=customXml/item30.xml><?xml version="1.0" encoding="utf-8"?>
+<Control xmlns="http://schemas.microsoft.com/VisualStudio/2011/storyboarding/control">
+  <Id Name="369f9055-6b6c-48b9-9320-5df2d46c430a" Revision="1" Stencil="7276b9ef-3953-4dce-a89b-ed85f20b8b93" StencilVersion="1.0"/>
+</Control>
+</file>
+
+<file path=customXml/item31.xml><?xml version="1.0" encoding="utf-8"?>
 <?mso-contentType ?>
 <FormTemplates xmlns="http://schemas.microsoft.com/sharepoint/v3/contenttype/forms">
   <Display>DocumentLibraryForm</Display>
@@ -45253,19 +45664,7 @@
 </FormTemplates>
 </file>
 
-<file path=customXml/item25.xml><?xml version="1.0" encoding="utf-8"?>
-<Control xmlns="http://schemas.microsoft.com/VisualStudio/2011/storyboarding/control">
-  <Id Name="369f9055-6b6c-48b9-9320-5df2d46c430a" Revision="1" Stencil="7276b9ef-3953-4dce-a89b-ed85f20b8b93" StencilVersion="1.0"/>
-</Control>
-</file>
-
-<file path=customXml/item26.xml><?xml version="1.0" encoding="utf-8"?>
-<Control xmlns="http://schemas.microsoft.com/VisualStudio/2011/storyboarding/control">
-  <Id Name="369f9055-6b6c-48b9-9320-5df2d46c430a" Revision="1" Stencil="7276b9ef-3953-4dce-a89b-ed85f20b8b93" StencilVersion="1.0"/>
-</Control>
-</file>
-
-<file path=customXml/item27.xml><?xml version="1.0" encoding="utf-8"?>
+<file path=customXml/item32.xml><?xml version="1.0" encoding="utf-8"?>
 <?mso-contentType ?>
 <FormTemplates xmlns="http://schemas.microsoft.com/sharepoint/v3/contenttype/forms">
   <Display>DocumentLibraryForm</Display>
@@ -45274,7 +45673,64 @@
 </FormTemplates>
 </file>
 
-<file path=customXml/item28.xml><?xml version="1.0" encoding="utf-8"?>
+<file path=customXml/item33.xml><?xml version="1.0" encoding="utf-8"?>
+<?mso-contentType ?>
+<FormTemplates xmlns="http://schemas.microsoft.com/sharepoint/v3/contenttype/forms">
+  <Display>DocumentLibraryForm</Display>
+  <Edit>DocumentLibraryForm</Edit>
+  <New>DocumentLibraryForm</New>
+</FormTemplates>
+</file>
+
+<file path=customXml/item34.xml><?xml version="1.0" encoding="utf-8"?>
+<Control xmlns="http://schemas.microsoft.com/VisualStudio/2011/storyboarding/control">
+  <Id Name="369f9055-6b6c-48b9-9320-5df2d46c430a" Revision="1" Stencil="7276b9ef-3953-4dce-a89b-ed85f20b8b93" StencilVersion="1.0"/>
+</Control>
+</file>
+
+<file path=customXml/item35.xml><?xml version="1.0" encoding="utf-8"?>
+<Control xmlns="http://schemas.microsoft.com/VisualStudio/2011/storyboarding/control">
+  <Id Name="369f9055-6b6c-48b9-9320-5df2d46c430a" Revision="1" Stencil="7276b9ef-3953-4dce-a89b-ed85f20b8b93" StencilVersion="1.0"/>
+</Control>
+</file>
+
+<file path=customXml/item36.xml><?xml version="1.0" encoding="utf-8"?>
+<Control xmlns="http://schemas.microsoft.com/VisualStudio/2011/storyboarding/control">
+  <Id Name="d69996e1-3d61-4686-9b63-f1b855c596ab" Revision="1" Stencil="7276b9ef-3953-4dce-a89b-ed85f20b8b93" StencilVersion="1.0"/>
+</Control>
+</file>
+
+<file path=customXml/item37.xml><?xml version="1.0" encoding="utf-8"?>
+<?mso-contentType ?>
+<FormTemplates xmlns="http://schemas.microsoft.com/sharepoint/v3/contenttype/forms">
+  <Display>DocumentLibraryForm</Display>
+  <Edit>DocumentLibraryForm</Edit>
+  <New>DocumentLibraryForm</New>
+</FormTemplates>
+</file>
+
+<file path=customXml/item38.xml><?xml version="1.0" encoding="utf-8"?>
+<?mso-contentType ?>
+<FormTemplates xmlns="http://schemas.microsoft.com/sharepoint/v3/contenttype/forms">
+  <Display>DocumentLibraryForm</Display>
+  <Edit>DocumentLibraryForm</Edit>
+  <New>DocumentLibraryForm</New>
+</FormTemplates>
+</file>
+
+<file path=customXml/item39.xml><?xml version="1.0" encoding="utf-8"?>
+<Control xmlns="http://schemas.microsoft.com/VisualStudio/2011/storyboarding/control">
+  <Id Name="fb22c541-ded0-47fa-8877-83a4c2d16227" Revision="1" Stencil="7276b9ef-3953-4dce-a89b-ed85f20b8b93" StencilVersion="1.0"/>
+</Control>
+</file>
+
+<file path=customXml/item4.xml><?xml version="1.0" encoding="utf-8"?>
+<Control xmlns="http://schemas.microsoft.com/VisualStudio/2011/storyboarding/control">
+  <Id Name="fb22c541-ded0-47fa-8877-83a4c2d16227" Revision="1" Stencil="7276b9ef-3953-4dce-a89b-ed85f20b8b93" StencilVersion="1.0"/>
+</Control>
+</file>
+
+<file path=customXml/item40.xml><?xml version="1.0" encoding="utf-8"?>
 <ct:contentTypeSchema xmlns:ct="http://schemas.microsoft.com/office/2006/metadata/contentType" xmlns:ma="http://schemas.microsoft.com/office/2006/metadata/properties/metaAttributes" ct:_="" ma:_="" ma:contentTypeName="Document" ma:contentTypeID="0x010100674EDBEC711BD14FBA6FF5C10FEFEAC7" ma:contentTypeVersion="2" ma:contentTypeDescription="Create a new document." ma:contentTypeScope="" ma:versionID="2439c5e21841780d4f192983b535a097">
   <xsd:schema xmlns:xsd="http://www.w3.org/2001/XMLSchema" xmlns:xs="http://www.w3.org/2001/XMLSchema" xmlns:p="http://schemas.microsoft.com/office/2006/metadata/properties" xmlns:ns2="83cd2334-221a-48c3-9034-bfd1542dfe28" targetNamespace="http://schemas.microsoft.com/office/2006/metadata/properties" ma:root="true" ma:fieldsID="2bca9163d8d0b233c3086236a9289b04" ns2:_="">
     <xsd:import namespace="83cd2334-221a-48c3-9034-bfd1542dfe28"/>
@@ -45422,7 +45878,19 @@
 </ct:contentTypeSchema>
 </file>
 
-<file path=customXml/item29.xml><?xml version="1.0" encoding="utf-8"?>
+<file path=customXml/item41.xml><?xml version="1.0" encoding="utf-8"?>
+<Control xmlns="http://schemas.microsoft.com/VisualStudio/2011/storyboarding/control">
+  <Id Name="a2191c86-fc50-4add-948c-129f6b5a88d8" Revision="1" Stencil="7276b9ef-3953-4dce-a89b-ed85f20b8b93" StencilVersion="1.0"/>
+</Control>
+</file>
+
+<file path=customXml/item42.xml><?xml version="1.0" encoding="utf-8"?>
+<Control xmlns="http://schemas.microsoft.com/VisualStudio/2011/storyboarding/control">
+  <Id Name="d69996e1-3d61-4686-9b63-f1b855c596ab" Revision="1" Stencil="7276b9ef-3953-4dce-a89b-ed85f20b8b93" StencilVersion="1.0"/>
+</Control>
+</file>
+
+<file path=customXml/item43.xml><?xml version="1.0" encoding="utf-8"?>
 <?mso-contentType ?>
 <FormTemplates xmlns="http://schemas.microsoft.com/sharepoint/v3/contenttype/forms">
   <Display>DocumentLibraryForm</Display>
@@ -45431,13 +45899,49 @@
 </FormTemplates>
 </file>
 
-<file path=customXml/item3.xml><?xml version="1.0" encoding="utf-8"?>
+<file path=customXml/item44.xml><?xml version="1.0" encoding="utf-8"?>
 <Control xmlns="http://schemas.microsoft.com/VisualStudio/2011/storyboarding/control">
-  <Id Name="369f9055-6b6c-48b9-9320-5df2d46c430a" Revision="1" Stencil="7276b9ef-3953-4dce-a89b-ed85f20b8b93" StencilVersion="1.0"/>
+  <Id Name="a2191c86-fc50-4add-948c-129f6b5a88d8" Revision="1" Stencil="7276b9ef-3953-4dce-a89b-ed85f20b8b93" StencilVersion="1.0"/>
 </Control>
 </file>
 
-<file path=customXml/item30.xml><?xml version="1.0" encoding="utf-8"?>
+<file path=customXml/item45.xml><?xml version="1.0" encoding="utf-8"?>
+<Control xmlns="http://schemas.microsoft.com/VisualStudio/2011/storyboarding/control">
+  <Id Name="d69996e1-3d61-4686-9b63-f1b855c596ab" Revision="1" Stencil="7276b9ef-3953-4dce-a89b-ed85f20b8b93" StencilVersion="1.0"/>
+</Control>
+</file>
+
+<file path=customXml/item46.xml><?xml version="1.0" encoding="utf-8"?>
+<?mso-contentType ?>
+<FormTemplates xmlns="http://schemas.microsoft.com/sharepoint/v3/contenttype/forms">
+  <Display>DocumentLibraryForm</Display>
+  <Edit>DocumentLibraryForm</Edit>
+  <New>DocumentLibraryForm</New>
+</FormTemplates>
+</file>
+
+<file path=customXml/item47.xml><?xml version="1.0" encoding="utf-8"?>
+<Control xmlns="http://schemas.microsoft.com/VisualStudio/2011/storyboarding/control">
+  <Id Name="fb22c541-ded0-47fa-8877-83a4c2d16227" Revision="1" Stencil="7276b9ef-3953-4dce-a89b-ed85f20b8b93" StencilVersion="1.0"/>
+</Control>
+</file>
+
+<file path=customXml/item48.xml><?xml version="1.0" encoding="utf-8"?>
+<?mso-contentType ?>
+<FormTemplates xmlns="http://schemas.microsoft.com/sharepoint/v3/contenttype/forms">
+  <Display>DocumentLibraryForm</Display>
+  <Edit>DocumentLibraryForm</Edit>
+  <New>DocumentLibraryForm</New>
+</FormTemplates>
+</file>
+
+<file path=customXml/item49.xml><?xml version="1.0" encoding="utf-8"?>
+<Control xmlns="http://schemas.microsoft.com/VisualStudio/2011/storyboarding/control">
+  <Id Name="a53d73d2-368b-429e-b817-1324eec1382c" Revision="1" Stencil="7276b9ef-3953-4dce-a89b-ed85f20b8b93" StencilVersion="1.0"/>
+</Control>
+</file>
+
+<file path=customXml/item5.xml><?xml version="1.0" encoding="utf-8"?>
 <p:properties xmlns:p="http://schemas.microsoft.com/office/2006/metadata/properties" xmlns:xsi="http://www.w3.org/2001/XMLSchema-instance" xmlns:pc="http://schemas.microsoft.com/office/infopath/2007/PartnerControls">
   <documentManagement>
     <SharedWithUsers xmlns="83cd2334-221a-48c3-9034-bfd1542dfe28">
@@ -45461,28 +45965,19 @@
 </p:properties>
 </file>
 
-<file path=customXml/item31.xml><?xml version="1.0" encoding="utf-8"?>
+<file path=customXml/item50.xml><?xml version="1.0" encoding="utf-8"?>
+<Control xmlns="http://schemas.microsoft.com/VisualStudio/2011/storyboarding/control">
+  <Id Name="d69996e1-3d61-4686-9b63-f1b855c596ab" Revision="1" Stencil="7276b9ef-3953-4dce-a89b-ed85f20b8b93" StencilVersion="1.0"/>
+</Control>
+</file>
+
+<file path=customXml/item51.xml><?xml version="1.0" encoding="utf-8"?>
 <Control xmlns="http://schemas.microsoft.com/VisualStudio/2011/storyboarding/control">
   <Id Name="a2191c86-fc50-4add-948c-129f6b5a88d8" Revision="1" Stencil="7276b9ef-3953-4dce-a89b-ed85f20b8b93" StencilVersion="1.0"/>
 </Control>
 </file>
 
-<file path=customXml/item32.xml><?xml version="1.0" encoding="utf-8"?>
-<Control xmlns="http://schemas.microsoft.com/VisualStudio/2011/storyboarding/control">
-  <Id Name="d69996e1-3d61-4686-9b63-f1b855c596ab" Revision="1" Stencil="7276b9ef-3953-4dce-a89b-ed85f20b8b93" StencilVersion="1.0"/>
-</Control>
-</file>
-
-<file path=customXml/item33.xml><?xml version="1.0" encoding="utf-8"?>
-<?mso-contentType ?>
-<FormTemplates xmlns="http://schemas.microsoft.com/sharepoint/v3/contenttype/forms">
-  <Display>DocumentLibraryForm</Display>
-  <Edit>DocumentLibraryForm</Edit>
-  <New>DocumentLibraryForm</New>
-</FormTemplates>
-</file>
-
-<file path=customXml/item34.xml><?xml version="1.0" encoding="utf-8"?>
+<file path=customXml/item52.xml><?xml version="1.0" encoding="utf-8"?>
 <p:properties xmlns:p="http://schemas.microsoft.com/office/2006/metadata/properties" xmlns:xsi="http://www.w3.org/2001/XMLSchema-instance" xmlns:pc="http://schemas.microsoft.com/office/infopath/2007/PartnerControls">
   <documentManagement>
     <SharedWithUsers xmlns="83cd2334-221a-48c3-9034-bfd1542dfe28">
@@ -45506,220 +46001,16 @@
 </p:properties>
 </file>
 
-<file path=customXml/item35.xml><?xml version="1.0" encoding="utf-8"?>
-<Control xmlns="http://schemas.microsoft.com/VisualStudio/2011/storyboarding/control">
-  <Id Name="fb22c541-ded0-47fa-8877-83a4c2d16227" Revision="1" Stencil="7276b9ef-3953-4dce-a89b-ed85f20b8b93" StencilVersion="1.0"/>
-</Control>
-</file>
-
-<file path=customXml/item36.xml><?xml version="1.0" encoding="utf-8"?>
+<file path=customXml/item53.xml><?xml version="1.0" encoding="utf-8"?>
 <Control xmlns="http://schemas.microsoft.com/VisualStudio/2011/storyboarding/control">
   <Id Name="a2191c86-fc50-4add-948c-129f6b5a88d8" Revision="1" Stencil="7276b9ef-3953-4dce-a89b-ed85f20b8b93" StencilVersion="1.0"/>
 </Control>
 </file>
 
-<file path=customXml/item37.xml><?xml version="1.0" encoding="utf-8"?>
-<p:properties xmlns:p="http://schemas.microsoft.com/office/2006/metadata/properties" xmlns:xsi="http://www.w3.org/2001/XMLSchema-instance" xmlns:pc="http://schemas.microsoft.com/office/infopath/2007/PartnerControls">
-  <documentManagement>
-    <SharedWithUsers xmlns="83cd2334-221a-48c3-9034-bfd1542dfe28">
-      <UserInfo>
-        <DisplayName>Gilad Turbahn</DisplayName>
-        <AccountId>511</AccountId>
-        <AccountType/>
-      </UserInfo>
-      <UserInfo>
-        <DisplayName>Keith Boyd</DisplayName>
-        <AccountId>993</AccountId>
-        <AccountType/>
-      </UserInfo>
-      <UserInfo>
-        <DisplayName>Christopher Harrison</DisplayName>
-        <AccountId>1176</AccountId>
-        <AccountType/>
-      </UserInfo>
-    </SharedWithUsers>
-  </documentManagement>
-</p:properties>
-</file>
-
-<file path=customXml/item38.xml><?xml version="1.0" encoding="utf-8"?>
-<?mso-contentType ?>
-<FormTemplates xmlns="http://schemas.microsoft.com/sharepoint/v3/contenttype/forms">
-  <Display>DocumentLibraryForm</Display>
-  <Edit>DocumentLibraryForm</Edit>
-  <New>DocumentLibraryForm</New>
-</FormTemplates>
-</file>
-
-<file path=customXml/item39.xml><?xml version="1.0" encoding="utf-8"?>
+<file path=customXml/item6.xml><?xml version="1.0" encoding="utf-8"?>
 <Control xmlns="http://schemas.microsoft.com/VisualStudio/2011/storyboarding/control">
   <Id Name="a2191c86-fc50-4add-948c-129f6b5a88d8" Revision="1" Stencil="7276b9ef-3953-4dce-a89b-ed85f20b8b93" StencilVersion="1.0"/>
 </Control>
-</file>
-
-<file path=customXml/item4.xml><?xml version="1.0" encoding="utf-8"?>
-<Control xmlns="http://schemas.microsoft.com/VisualStudio/2011/storyboarding/control">
-  <Id Name="fb22c541-ded0-47fa-8877-83a4c2d16227" Revision="1" Stencil="7276b9ef-3953-4dce-a89b-ed85f20b8b93" StencilVersion="1.0"/>
-</Control>
-</file>
-
-<file path=customXml/item40.xml><?xml version="1.0" encoding="utf-8"?>
-<p:properties xmlns:p="http://schemas.microsoft.com/office/2006/metadata/properties" xmlns:xsi="http://www.w3.org/2001/XMLSchema-instance" xmlns:pc="http://schemas.microsoft.com/office/infopath/2007/PartnerControls">
-  <documentManagement>
-    <SharedWithUsers xmlns="83cd2334-221a-48c3-9034-bfd1542dfe28">
-      <UserInfo>
-        <DisplayName>Gilad Turbahn</DisplayName>
-        <AccountId>511</AccountId>
-        <AccountType/>
-      </UserInfo>
-      <UserInfo>
-        <DisplayName>Keith Boyd</DisplayName>
-        <AccountId>993</AccountId>
-        <AccountType/>
-      </UserInfo>
-      <UserInfo>
-        <DisplayName>Christopher Harrison</DisplayName>
-        <AccountId>1176</AccountId>
-        <AccountType/>
-      </UserInfo>
-    </SharedWithUsers>
-  </documentManagement>
-</p:properties>
-</file>
-
-<file path=customXml/item41.xml><?xml version="1.0" encoding="utf-8"?>
-<Control xmlns="http://schemas.microsoft.com/VisualStudio/2011/storyboarding/control">
-  <Id Name="369f9055-6b6c-48b9-9320-5df2d46c430a" Revision="1" Stencil="7276b9ef-3953-4dce-a89b-ed85f20b8b93" StencilVersion="1.0"/>
-</Control>
-</file>
-
-<file path=customXml/item42.xml><?xml version="1.0" encoding="utf-8"?>
-<p:properties xmlns:p="http://schemas.microsoft.com/office/2006/metadata/properties" xmlns:xsi="http://www.w3.org/2001/XMLSchema-instance" xmlns:pc="http://schemas.microsoft.com/office/infopath/2007/PartnerControls">
-  <documentManagement>
-    <SharedWithUsers xmlns="83cd2334-221a-48c3-9034-bfd1542dfe28">
-      <UserInfo>
-        <DisplayName>Gilad Turbahn</DisplayName>
-        <AccountId>511</AccountId>
-        <AccountType/>
-      </UserInfo>
-      <UserInfo>
-        <DisplayName>Keith Boyd</DisplayName>
-        <AccountId>993</AccountId>
-        <AccountType/>
-      </UserInfo>
-      <UserInfo>
-        <DisplayName>Christopher Harrison</DisplayName>
-        <AccountId>1176</AccountId>
-        <AccountType/>
-      </UserInfo>
-    </SharedWithUsers>
-  </documentManagement>
-</p:properties>
-</file>
-
-<file path=customXml/item43.xml><?xml version="1.0" encoding="utf-8"?>
-<Control xmlns="http://schemas.microsoft.com/VisualStudio/2011/storyboarding/control">
-  <Id Name="a53d73d2-368b-429e-b817-1324eec1382c" Revision="1" Stencil="7276b9ef-3953-4dce-a89b-ed85f20b8b93" StencilVersion="1.0"/>
-</Control>
-</file>
-
-<file path=customXml/item44.xml><?xml version="1.0" encoding="utf-8"?>
-<Control xmlns="http://schemas.microsoft.com/VisualStudio/2011/storyboarding/control">
-  <Id Name="d69996e1-3d61-4686-9b63-f1b855c596ab" Revision="1" Stencil="7276b9ef-3953-4dce-a89b-ed85f20b8b93" StencilVersion="1.0"/>
-</Control>
-</file>
-
-<file path=customXml/item45.xml><?xml version="1.0" encoding="utf-8"?>
-<Control xmlns="http://schemas.microsoft.com/VisualStudio/2011/storyboarding/control">
-  <Id Name="a53d73d2-368b-429e-b817-1324eec1382c" Revision="1" Stencil="7276b9ef-3953-4dce-a89b-ed85f20b8b93" StencilVersion="1.0"/>
-</Control>
-</file>
-
-<file path=customXml/item46.xml><?xml version="1.0" encoding="utf-8"?>
-<?mso-contentType ?>
-<FormTemplates xmlns="http://schemas.microsoft.com/sharepoint/v3/contenttype/forms">
-  <Display>DocumentLibraryForm</Display>
-  <Edit>DocumentLibraryForm</Edit>
-  <New>DocumentLibraryForm</New>
-</FormTemplates>
-</file>
-
-<file path=customXml/item47.xml><?xml version="1.0" encoding="utf-8"?>
-<Control xmlns="http://schemas.microsoft.com/VisualStudio/2011/storyboarding/control">
-  <Id Name="fb22c541-ded0-47fa-8877-83a4c2d16227" Revision="1" Stencil="7276b9ef-3953-4dce-a89b-ed85f20b8b93" StencilVersion="1.0"/>
-</Control>
-</file>
-
-<file path=customXml/item48.xml><?xml version="1.0" encoding="utf-8"?>
-<Control xmlns="http://schemas.microsoft.com/VisualStudio/2011/storyboarding/control">
-  <Id Name="a53d73d2-368b-429e-b817-1324eec1382c" Revision="1" Stencil="7276b9ef-3953-4dce-a89b-ed85f20b8b93" StencilVersion="1.0"/>
-</Control>
-</file>
-
-<file path=customXml/item49.xml><?xml version="1.0" encoding="utf-8"?>
-<Control xmlns="http://schemas.microsoft.com/VisualStudio/2011/storyboarding/control">
-  <Id Name="d69996e1-3d61-4686-9b63-f1b855c596ab" Revision="1" Stencil="7276b9ef-3953-4dce-a89b-ed85f20b8b93" StencilVersion="1.0"/>
-</Control>
-</file>
-
-<file path=customXml/item5.xml><?xml version="1.0" encoding="utf-8"?>
-<Control xmlns="http://schemas.microsoft.com/VisualStudio/2011/storyboarding/control">
-  <Id Name="369f9055-6b6c-48b9-9320-5df2d46c430a" Revision="1" Stencil="7276b9ef-3953-4dce-a89b-ed85f20b8b93" StencilVersion="1.0"/>
-</Control>
-</file>
-
-<file path=customXml/item50.xml><?xml version="1.0" encoding="utf-8"?>
-<Control xmlns="http://schemas.microsoft.com/VisualStudio/2011/storyboarding/control">
-  <Id Name="a2191c86-fc50-4add-948c-129f6b5a88d8" Revision="1" Stencil="7276b9ef-3953-4dce-a89b-ed85f20b8b93" StencilVersion="1.0"/>
-</Control>
-</file>
-
-<file path=customXml/item51.xml><?xml version="1.0" encoding="utf-8"?>
-<Control xmlns="http://schemas.microsoft.com/VisualStudio/2011/storyboarding/control">
-  <Id Name="a2191c86-fc50-4add-948c-129f6b5a88d8" Revision="1" Stencil="7276b9ef-3953-4dce-a89b-ed85f20b8b93" StencilVersion="1.0"/>
-</Control>
-</file>
-
-<file path=customXml/item52.xml><?xml version="1.0" encoding="utf-8"?>
-<?mso-contentType ?>
-<FormTemplates xmlns="http://schemas.microsoft.com/sharepoint/v3/contenttype/forms">
-  <Display>DocumentLibraryForm</Display>
-  <Edit>DocumentLibraryForm</Edit>
-  <New>DocumentLibraryForm</New>
-</FormTemplates>
-</file>
-
-<file path=customXml/item53.xml><?xml version="1.0" encoding="utf-8"?>
-<p:properties xmlns:p="http://schemas.microsoft.com/office/2006/metadata/properties" xmlns:xsi="http://www.w3.org/2001/XMLSchema-instance" xmlns:pc="http://schemas.microsoft.com/office/infopath/2007/PartnerControls">
-  <documentManagement>
-    <SharedWithUsers xmlns="83cd2334-221a-48c3-9034-bfd1542dfe28">
-      <UserInfo>
-        <DisplayName>Gilad Turbahn</DisplayName>
-        <AccountId>511</AccountId>
-        <AccountType/>
-      </UserInfo>
-      <UserInfo>
-        <DisplayName>Keith Boyd</DisplayName>
-        <AccountId>993</AccountId>
-        <AccountType/>
-      </UserInfo>
-      <UserInfo>
-        <DisplayName>Christopher Harrison</DisplayName>
-        <AccountId>1176</AccountId>
-        <AccountType/>
-      </UserInfo>
-    </SharedWithUsers>
-  </documentManagement>
-</p:properties>
-</file>
-
-<file path=customXml/item6.xml><?xml version="1.0" encoding="utf-8"?>
-<?mso-contentType ?>
-<FormTemplates xmlns="http://schemas.microsoft.com/sharepoint/v3/contenttype/forms">
-  <Display>DocumentLibraryForm</Display>
-  <Edit>DocumentLibraryForm</Edit>
-  <New>DocumentLibraryForm</New>
-</FormTemplates>
 </file>
 
 <file path=customXml/item7.xml><?xml version="1.0" encoding="utf-8"?>
@@ -45747,12 +46038,6 @@
 </file>
 
 <file path=customXml/item8.xml><?xml version="1.0" encoding="utf-8"?>
-<Control xmlns="http://schemas.microsoft.com/VisualStudio/2011/storyboarding/control">
-  <Id Name="a53d73d2-368b-429e-b817-1324eec1382c" Revision="1" Stencil="7276b9ef-3953-4dce-a89b-ed85f20b8b93" StencilVersion="1.0"/>
-</Control>
-</file>
-
-<file path=customXml/item9.xml><?xml version="1.0" encoding="utf-8"?>
 <?mso-contentType ?>
 <FormTemplates xmlns="http://schemas.microsoft.com/sharepoint/v3/contenttype/forms">
   <Display>DocumentLibraryForm</Display>
@@ -45761,8 +46046,32 @@
 </FormTemplates>
 </file>
 
+<file path=customXml/item9.xml><?xml version="1.0" encoding="utf-8"?>
+<p:properties xmlns:p="http://schemas.microsoft.com/office/2006/metadata/properties" xmlns:xsi="http://www.w3.org/2001/XMLSchema-instance" xmlns:pc="http://schemas.microsoft.com/office/infopath/2007/PartnerControls">
+  <documentManagement>
+    <SharedWithUsers xmlns="83cd2334-221a-48c3-9034-bfd1542dfe28">
+      <UserInfo>
+        <DisplayName>Gilad Turbahn</DisplayName>
+        <AccountId>511</AccountId>
+        <AccountType/>
+      </UserInfo>
+      <UserInfo>
+        <DisplayName>Keith Boyd</DisplayName>
+        <AccountId>993</AccountId>
+        <AccountType/>
+      </UserInfo>
+      <UserInfo>
+        <DisplayName>Christopher Harrison</DisplayName>
+        <AccountId>1176</AccountId>
+        <AccountType/>
+      </UserInfo>
+    </SharedWithUsers>
+  </documentManagement>
+</p:properties>
+</file>
+
 <file path=customXml/itemProps1.xml><?xml version="1.0" encoding="utf-8"?>
-<ds:datastoreItem xmlns:ds="http://schemas.openxmlformats.org/officeDocument/2006/customXml" ds:itemID="{C63AC2F0-1DEB-4E91-A88A-7A014A172F4F}">
+<ds:datastoreItem xmlns:ds="http://schemas.openxmlformats.org/officeDocument/2006/customXml" ds:itemID="{42D603BF-B513-4201-A599-21BA0F4FFC40}">
   <ds:schemaRefs>
     <ds:schemaRef ds:uri="http://schemas.microsoft.com/VisualStudio/2011/storyboarding/control"/>
   </ds:schemaRefs>
@@ -45770,7 +46079,7 @@
 </file>
 
 <file path=customXml/itemProps10.xml><?xml version="1.0" encoding="utf-8"?>
-<ds:datastoreItem xmlns:ds="http://schemas.openxmlformats.org/officeDocument/2006/customXml" ds:itemID="{A04E0FB3-C79D-4C6D-950F-4E1E151C9D70}">
+<ds:datastoreItem xmlns:ds="http://schemas.openxmlformats.org/officeDocument/2006/customXml" ds:itemID="{1EF25EC2-965B-4491-9691-6B806C9E3B8B}">
   <ds:schemaRefs>
     <ds:schemaRef ds:uri="http://schemas.microsoft.com/sharepoint/v3/contenttype/forms"/>
   </ds:schemaRefs>
@@ -45778,7 +46087,15 @@
 </file>
 
 <file path=customXml/itemProps11.xml><?xml version="1.0" encoding="utf-8"?>
-<ds:datastoreItem xmlns:ds="http://schemas.openxmlformats.org/officeDocument/2006/customXml" ds:itemID="{1C76383C-FD09-474B-94B3-126FB1A7D094}">
+<ds:datastoreItem xmlns:ds="http://schemas.openxmlformats.org/officeDocument/2006/customXml" ds:itemID="{67213E6F-7B96-4222-888B-63710B06D885}">
+  <ds:schemaRefs>
+    <ds:schemaRef ds:uri="http://schemas.microsoft.com/VisualStudio/2011/storyboarding/control"/>
+  </ds:schemaRefs>
+</ds:datastoreItem>
+</file>
+
+<file path=customXml/itemProps12.xml><?xml version="1.0" encoding="utf-8"?>
+<ds:datastoreItem xmlns:ds="http://schemas.openxmlformats.org/officeDocument/2006/customXml" ds:itemID="{E692D73E-1478-4790-BEEC-C5C534998F40}">
   <ds:schemaRefs>
     <ds:schemaRef ds:uri="http://schemas.microsoft.com/office/2006/metadata/properties"/>
     <ds:schemaRef ds:uri="http://schemas.microsoft.com/office/infopath/2007/PartnerControls"/>
@@ -45787,23 +46104,51 @@
 </ds:datastoreItem>
 </file>
 
-<file path=customXml/itemProps12.xml><?xml version="1.0" encoding="utf-8"?>
-<ds:datastoreItem xmlns:ds="http://schemas.openxmlformats.org/officeDocument/2006/customXml" ds:itemID="{0282FB20-2D4C-459D-8468-77D1D3C6925D}">
+<file path=customXml/itemProps13.xml><?xml version="1.0" encoding="utf-8"?>
+<ds:datastoreItem xmlns:ds="http://schemas.openxmlformats.org/officeDocument/2006/customXml" ds:itemID="{6B54639E-AC34-4B67-A9D5-6F9852696283}">
+  <ds:schemaRefs>
+    <ds:schemaRef ds:uri="http://schemas.microsoft.com/office/2006/metadata/properties"/>
+    <ds:schemaRef ds:uri="http://schemas.microsoft.com/office/infopath/2007/PartnerControls"/>
+    <ds:schemaRef ds:uri="83cd2334-221a-48c3-9034-bfd1542dfe28"/>
+  </ds:schemaRefs>
+</ds:datastoreItem>
+</file>
+
+<file path=customXml/itemProps14.xml><?xml version="1.0" encoding="utf-8"?>
+<ds:datastoreItem xmlns:ds="http://schemas.openxmlformats.org/officeDocument/2006/customXml" ds:itemID="{F68D8396-E21C-4AFF-8FDD-70D00673D0EE}">
   <ds:schemaRefs>
     <ds:schemaRef ds:uri="http://schemas.microsoft.com/VisualStudio/2011/storyboarding/control"/>
   </ds:schemaRefs>
 </ds:datastoreItem>
 </file>
 
-<file path=customXml/itemProps13.xml><?xml version="1.0" encoding="utf-8"?>
-<ds:datastoreItem xmlns:ds="http://schemas.openxmlformats.org/officeDocument/2006/customXml" ds:itemID="{ED350DFE-2319-4AB0-BC96-1D36D125365A}">
+<file path=customXml/itemProps15.xml><?xml version="1.0" encoding="utf-8"?>
+<ds:datastoreItem xmlns:ds="http://schemas.openxmlformats.org/officeDocument/2006/customXml" ds:itemID="{17A7EC28-79CF-44E6-BA48-85916A7F29F5}">
+  <ds:schemaRefs>
+    <ds:schemaRef ds:uri="http://schemas.microsoft.com/office/2006/metadata/properties"/>
+    <ds:schemaRef ds:uri="http://schemas.microsoft.com/office/infopath/2007/PartnerControls"/>
+    <ds:schemaRef ds:uri="83cd2334-221a-48c3-9034-bfd1542dfe28"/>
+  </ds:schemaRefs>
+</ds:datastoreItem>
+</file>
+
+<file path=customXml/itemProps16.xml><?xml version="1.0" encoding="utf-8"?>
+<ds:datastoreItem xmlns:ds="http://schemas.openxmlformats.org/officeDocument/2006/customXml" ds:itemID="{FE651ABA-5DC1-4ABD-A06E-055AE54B337B}">
   <ds:schemaRefs>
     <ds:schemaRef ds:uri="http://schemas.microsoft.com/VisualStudio/2011/storyboarding/control"/>
   </ds:schemaRefs>
 </ds:datastoreItem>
 </file>
 
-<file path=customXml/itemProps14.xml><?xml version="1.0" encoding="utf-8"?>
+<file path=customXml/itemProps17.xml><?xml version="1.0" encoding="utf-8"?>
+<ds:datastoreItem xmlns:ds="http://schemas.openxmlformats.org/officeDocument/2006/customXml" ds:itemID="{432851C6-BC05-4673-B853-6D08AB80CDC4}">
+  <ds:schemaRefs>
+    <ds:schemaRef ds:uri="http://schemas.microsoft.com/VisualStudio/2011/storyboarding/control"/>
+  </ds:schemaRefs>
+</ds:datastoreItem>
+</file>
+
+<file path=customXml/itemProps18.xml><?xml version="1.0" encoding="utf-8"?>
 <ds:datastoreItem xmlns:ds="http://schemas.openxmlformats.org/officeDocument/2006/customXml" ds:itemID="{B18102BA-C10B-41D1-8610-3D321D638DD2}">
   <ds:schemaRefs>
     <ds:schemaRef ds:uri="http://schemas.microsoft.com/office/2006/metadata/properties"/>
@@ -45813,16 +46158,32 @@
 </ds:datastoreItem>
 </file>
 
-<file path=customXml/itemProps15.xml><?xml version="1.0" encoding="utf-8"?>
-<ds:datastoreItem xmlns:ds="http://schemas.openxmlformats.org/officeDocument/2006/customXml" ds:itemID="{F785A8A3-C23B-4FA9-8A9A-19A360466D01}">
+<file path=customXml/itemProps19.xml><?xml version="1.0" encoding="utf-8"?>
+<ds:datastoreItem xmlns:ds="http://schemas.openxmlformats.org/officeDocument/2006/customXml" ds:itemID="{B5105A87-47B6-44F6-97FD-4619C0556604}">
+  <ds:schemaRefs>
+    <ds:schemaRef ds:uri="http://schemas.microsoft.com/VisualStudio/2011/storyboarding/control"/>
+  </ds:schemaRefs>
+</ds:datastoreItem>
+</file>
+
+<file path=customXml/itemProps2.xml><?xml version="1.0" encoding="utf-8"?>
+<ds:datastoreItem xmlns:ds="http://schemas.openxmlformats.org/officeDocument/2006/customXml" ds:itemID="{4E805D65-1532-4BB0-8F41-8013167C0009}">
+  <ds:schemaRefs>
+    <ds:schemaRef ds:uri="http://schemas.microsoft.com/VisualStudio/2011/storyboarding/control"/>
+  </ds:schemaRefs>
+</ds:datastoreItem>
+</file>
+
+<file path=customXml/itemProps20.xml><?xml version="1.0" encoding="utf-8"?>
+<ds:datastoreItem xmlns:ds="http://schemas.openxmlformats.org/officeDocument/2006/customXml" ds:itemID="{71AE1ABA-EE71-4D7C-AE19-D2A04FC317D0}">
   <ds:schemaRefs>
     <ds:schemaRef ds:uri="http://schemas.microsoft.com/sharepoint/v3/contenttype/forms"/>
   </ds:schemaRefs>
 </ds:datastoreItem>
 </file>
 
-<file path=customXml/itemProps16.xml><?xml version="1.0" encoding="utf-8"?>
-<ds:datastoreItem xmlns:ds="http://schemas.openxmlformats.org/officeDocument/2006/customXml" ds:itemID="{CA892322-6599-4C5A-B402-BE6DBAED9B8E}">
+<file path=customXml/itemProps21.xml><?xml version="1.0" encoding="utf-8"?>
+<ds:datastoreItem xmlns:ds="http://schemas.openxmlformats.org/officeDocument/2006/customXml" ds:itemID="{F990F116-B58F-4255-B05B-DA3808E0E5C6}">
   <ds:schemaRefs>
     <ds:schemaRef ds:uri="http://schemas.microsoft.com/office/2006/metadata/properties"/>
     <ds:schemaRef ds:uri="http://schemas.microsoft.com/office/infopath/2007/PartnerControls"/>
@@ -45831,7 +46192,63 @@
 </ds:datastoreItem>
 </file>
 
-<file path=customXml/itemProps17.xml><?xml version="1.0" encoding="utf-8"?>
+<file path=customXml/itemProps22.xml><?xml version="1.0" encoding="utf-8"?>
+<ds:datastoreItem xmlns:ds="http://schemas.openxmlformats.org/officeDocument/2006/customXml" ds:itemID="{D6FEE829-2115-45B4-8110-670FD454542B}">
+  <ds:schemaRefs>
+    <ds:schemaRef ds:uri="http://schemas.microsoft.com/VisualStudio/2011/storyboarding/control"/>
+  </ds:schemaRefs>
+</ds:datastoreItem>
+</file>
+
+<file path=customXml/itemProps23.xml><?xml version="1.0" encoding="utf-8"?>
+<ds:datastoreItem xmlns:ds="http://schemas.openxmlformats.org/officeDocument/2006/customXml" ds:itemID="{6FB9D450-4C47-4A44-8C0D-C78D8A54C46F}">
+  <ds:schemaRefs>
+    <ds:schemaRef ds:uri="http://schemas.microsoft.com/VisualStudio/2011/storyboarding/control"/>
+  </ds:schemaRefs>
+</ds:datastoreItem>
+</file>
+
+<file path=customXml/itemProps24.xml><?xml version="1.0" encoding="utf-8"?>
+<ds:datastoreItem xmlns:ds="http://schemas.openxmlformats.org/officeDocument/2006/customXml" ds:itemID="{21F6B647-976A-41D0-B760-9DF9DFC6AE3C}">
+  <ds:schemaRefs>
+    <ds:schemaRef ds:uri="http://schemas.microsoft.com/VisualStudio/2011/storyboarding/control"/>
+  </ds:schemaRefs>
+</ds:datastoreItem>
+</file>
+
+<file path=customXml/itemProps25.xml><?xml version="1.0" encoding="utf-8"?>
+<ds:datastoreItem xmlns:ds="http://schemas.openxmlformats.org/officeDocument/2006/customXml" ds:itemID="{8893E80D-6D0C-4E0F-AA22-E5615BB87E5B}">
+  <ds:schemaRefs>
+    <ds:schemaRef ds:uri="http://schemas.microsoft.com/VisualStudio/2011/storyboarding/control"/>
+  </ds:schemaRefs>
+</ds:datastoreItem>
+</file>
+
+<file path=customXml/itemProps26.xml><?xml version="1.0" encoding="utf-8"?>
+<ds:datastoreItem xmlns:ds="http://schemas.openxmlformats.org/officeDocument/2006/customXml" ds:itemID="{8BD595CA-AC5E-43B9-B966-E468A16E8322}">
+  <ds:schemaRefs>
+    <ds:schemaRef ds:uri="http://schemas.microsoft.com/VisualStudio/2011/storyboarding/control"/>
+  </ds:schemaRefs>
+</ds:datastoreItem>
+</file>
+
+<file path=customXml/itemProps27.xml><?xml version="1.0" encoding="utf-8"?>
+<ds:datastoreItem xmlns:ds="http://schemas.openxmlformats.org/officeDocument/2006/customXml" ds:itemID="{82DB428A-B8F8-483F-8276-095629A8ECDB}">
+  <ds:schemaRefs>
+    <ds:schemaRef ds:uri="http://schemas.microsoft.com/VisualStudio/2011/storyboarding/control"/>
+  </ds:schemaRefs>
+</ds:datastoreItem>
+</file>
+
+<file path=customXml/itemProps28.xml><?xml version="1.0" encoding="utf-8"?>
+<ds:datastoreItem xmlns:ds="http://schemas.openxmlformats.org/officeDocument/2006/customXml" ds:itemID="{0282FB20-2D4C-459D-8468-77D1D3C6925D}">
+  <ds:schemaRefs>
+    <ds:schemaRef ds:uri="http://schemas.microsoft.com/VisualStudio/2011/storyboarding/control"/>
+  </ds:schemaRefs>
+</ds:datastoreItem>
+</file>
+
+<file path=customXml/itemProps29.xml><?xml version="1.0" encoding="utf-8"?>
 <ds:datastoreItem xmlns:ds="http://schemas.openxmlformats.org/officeDocument/2006/customXml" ds:itemID="{F8161C77-CF0F-4477-84AB-9F5BE9DE94F0}">
   <ds:schemaRefs>
     <ds:schemaRef ds:uri="http://schemas.microsoft.com/office/2006/metadata/properties"/>
@@ -45841,31 +46258,49 @@
 </ds:datastoreItem>
 </file>
 
-<file path=customXml/itemProps18.xml><?xml version="1.0" encoding="utf-8"?>
-<ds:datastoreItem xmlns:ds="http://schemas.openxmlformats.org/officeDocument/2006/customXml" ds:itemID="{366CA990-F93D-4100-9654-65D9E30F4E1C}">
+<file path=customXml/itemProps3.xml><?xml version="1.0" encoding="utf-8"?>
+<ds:datastoreItem xmlns:ds="http://schemas.openxmlformats.org/officeDocument/2006/customXml" ds:itemID="{473A6A21-7521-4B81-9336-9B587BA12275}">
+  <ds:schemaRefs>
+    <ds:schemaRef ds:uri="http://schemas.microsoft.com/office/2006/metadata/properties"/>
+    <ds:schemaRef ds:uri="http://schemas.microsoft.com/office/infopath/2007/PartnerControls"/>
+    <ds:schemaRef ds:uri="83cd2334-221a-48c3-9034-bfd1542dfe28"/>
+  </ds:schemaRefs>
+</ds:datastoreItem>
+</file>
+
+<file path=customXml/itemProps30.xml><?xml version="1.0" encoding="utf-8"?>
+<ds:datastoreItem xmlns:ds="http://schemas.openxmlformats.org/officeDocument/2006/customXml" ds:itemID="{38217AA1-CC95-49A9-B284-2ED4D347D7CA}">
   <ds:schemaRefs>
     <ds:schemaRef ds:uri="http://schemas.microsoft.com/VisualStudio/2011/storyboarding/control"/>
   </ds:schemaRefs>
 </ds:datastoreItem>
 </file>
 
-<file path=customXml/itemProps19.xml><?xml version="1.0" encoding="utf-8"?>
-<ds:datastoreItem xmlns:ds="http://schemas.openxmlformats.org/officeDocument/2006/customXml" ds:itemID="{432851C6-BC05-4673-B853-6D08AB80CDC4}">
+<file path=customXml/itemProps31.xml><?xml version="1.0" encoding="utf-8"?>
+<ds:datastoreItem xmlns:ds="http://schemas.openxmlformats.org/officeDocument/2006/customXml" ds:itemID="{470353D1-3545-4BE2-A17C-548BF46AD9BC}">
   <ds:schemaRefs>
-    <ds:schemaRef ds:uri="http://schemas.microsoft.com/VisualStudio/2011/storyboarding/control"/>
+    <ds:schemaRef ds:uri="http://schemas.microsoft.com/sharepoint/v3/contenttype/forms"/>
   </ds:schemaRefs>
 </ds:datastoreItem>
 </file>
 
-<file path=customXml/itemProps2.xml><?xml version="1.0" encoding="utf-8"?>
-<ds:datastoreItem xmlns:ds="http://schemas.openxmlformats.org/officeDocument/2006/customXml" ds:itemID="{4B16F4FE-7C26-4443-B426-81998D23ED87}">
+<file path=customXml/itemProps32.xml><?xml version="1.0" encoding="utf-8"?>
+<ds:datastoreItem xmlns:ds="http://schemas.openxmlformats.org/officeDocument/2006/customXml" ds:itemID="{758FDAC0-319D-4A54-8D8E-1D42CB1F8004}">
   <ds:schemaRefs>
-    <ds:schemaRef ds:uri="http://schemas.microsoft.com/VisualStudio/2011/storyboarding/control"/>
+    <ds:schemaRef ds:uri="http://schemas.microsoft.com/sharepoint/v3/contenttype/forms"/>
   </ds:schemaRefs>
 </ds:datastoreItem>
 </file>
 
-<file path=customXml/itemProps20.xml><?xml version="1.0" encoding="utf-8"?>
+<file path=customXml/itemProps33.xml><?xml version="1.0" encoding="utf-8"?>
+<ds:datastoreItem xmlns:ds="http://schemas.openxmlformats.org/officeDocument/2006/customXml" ds:itemID="{8CFA17AA-8D1D-41BA-81E2-B1C9B1D8F8E0}">
+  <ds:schemaRefs>
+    <ds:schemaRef ds:uri="http://schemas.microsoft.com/sharepoint/v3/contenttype/forms"/>
+  </ds:schemaRefs>
+</ds:datastoreItem>
+</file>
+
+<file path=customXml/itemProps34.xml><?xml version="1.0" encoding="utf-8"?>
 <ds:datastoreItem xmlns:ds="http://schemas.openxmlformats.org/officeDocument/2006/customXml" ds:itemID="{08C4EE12-DF69-4FFC-9E40-C7991F3490A6}">
   <ds:schemaRefs>
     <ds:schemaRef ds:uri="http://schemas.microsoft.com/VisualStudio/2011/storyboarding/control"/>
@@ -45873,23 +46308,39 @@
 </ds:datastoreItem>
 </file>
 
-<file path=customXml/itemProps21.xml><?xml version="1.0" encoding="utf-8"?>
-<ds:datastoreItem xmlns:ds="http://schemas.openxmlformats.org/officeDocument/2006/customXml" ds:itemID="{4E805D65-1532-4BB0-8F41-8013167C0009}">
+<file path=customXml/itemProps35.xml><?xml version="1.0" encoding="utf-8"?>
+<ds:datastoreItem xmlns:ds="http://schemas.openxmlformats.org/officeDocument/2006/customXml" ds:itemID="{7959CC6A-F423-4783-B968-3BCC86A7394E}">
   <ds:schemaRefs>
     <ds:schemaRef ds:uri="http://schemas.microsoft.com/VisualStudio/2011/storyboarding/control"/>
   </ds:schemaRefs>
 </ds:datastoreItem>
 </file>
 
-<file path=customXml/itemProps22.xml><?xml version="1.0" encoding="utf-8"?>
-<ds:datastoreItem xmlns:ds="http://schemas.openxmlformats.org/officeDocument/2006/customXml" ds:itemID="{B5105A87-47B6-44F6-97FD-4619C0556604}">
+<file path=customXml/itemProps36.xml><?xml version="1.0" encoding="utf-8"?>
+<ds:datastoreItem xmlns:ds="http://schemas.openxmlformats.org/officeDocument/2006/customXml" ds:itemID="{C63AC2F0-1DEB-4E91-A88A-7A014A172F4F}">
   <ds:schemaRefs>
     <ds:schemaRef ds:uri="http://schemas.microsoft.com/VisualStudio/2011/storyboarding/control"/>
   </ds:schemaRefs>
 </ds:datastoreItem>
 </file>
 
-<file path=customXml/itemProps23.xml><?xml version="1.0" encoding="utf-8"?>
+<file path=customXml/itemProps37.xml><?xml version="1.0" encoding="utf-8"?>
+<ds:datastoreItem xmlns:ds="http://schemas.openxmlformats.org/officeDocument/2006/customXml" ds:itemID="{8E7D1C6F-2F1C-4FF7-8E81-B00199180E81}">
+  <ds:schemaRefs>
+    <ds:schemaRef ds:uri="http://schemas.microsoft.com/sharepoint/v3/contenttype/forms"/>
+  </ds:schemaRefs>
+</ds:datastoreItem>
+</file>
+
+<file path=customXml/itemProps38.xml><?xml version="1.0" encoding="utf-8"?>
+<ds:datastoreItem xmlns:ds="http://schemas.openxmlformats.org/officeDocument/2006/customXml" ds:itemID="{F785A8A3-C23B-4FA9-8A9A-19A360466D01}">
+  <ds:schemaRefs>
+    <ds:schemaRef ds:uri="http://schemas.microsoft.com/sharepoint/v3/contenttype/forms"/>
+  </ds:schemaRefs>
+</ds:datastoreItem>
+</file>
+
+<file path=customXml/itemProps39.xml><?xml version="1.0" encoding="utf-8"?>
 <ds:datastoreItem xmlns:ds="http://schemas.openxmlformats.org/officeDocument/2006/customXml" ds:itemID="{376216F9-AF6B-4844-AE8C-B9F953F916AB}">
   <ds:schemaRefs>
     <ds:schemaRef ds:uri="http://schemas.microsoft.com/VisualStudio/2011/storyboarding/control"/>
@@ -45897,39 +46348,15 @@
 </ds:datastoreItem>
 </file>
 
-<file path=customXml/itemProps24.xml><?xml version="1.0" encoding="utf-8"?>
-<ds:datastoreItem xmlns:ds="http://schemas.openxmlformats.org/officeDocument/2006/customXml" ds:itemID="{1EF25EC2-965B-4491-9691-6B806C9E3B8B}">
-  <ds:schemaRefs>
-    <ds:schemaRef ds:uri="http://schemas.microsoft.com/sharepoint/v3/contenttype/forms"/>
-  </ds:schemaRefs>
-</ds:datastoreItem>
-</file>
-
-<file path=customXml/itemProps25.xml><?xml version="1.0" encoding="utf-8"?>
-<ds:datastoreItem xmlns:ds="http://schemas.openxmlformats.org/officeDocument/2006/customXml" ds:itemID="{38217AA1-CC95-49A9-B284-2ED4D347D7CA}">
+<file path=customXml/itemProps4.xml><?xml version="1.0" encoding="utf-8"?>
+<ds:datastoreItem xmlns:ds="http://schemas.openxmlformats.org/officeDocument/2006/customXml" ds:itemID="{4E8278DB-3CDD-48A7-992E-A7596AD335B9}">
   <ds:schemaRefs>
     <ds:schemaRef ds:uri="http://schemas.microsoft.com/VisualStudio/2011/storyboarding/control"/>
   </ds:schemaRefs>
 </ds:datastoreItem>
 </file>
 
-<file path=customXml/itemProps26.xml><?xml version="1.0" encoding="utf-8"?>
-<ds:datastoreItem xmlns:ds="http://schemas.openxmlformats.org/officeDocument/2006/customXml" ds:itemID="{42D603BF-B513-4201-A599-21BA0F4FFC40}">
-  <ds:schemaRefs>
-    <ds:schemaRef ds:uri="http://schemas.microsoft.com/VisualStudio/2011/storyboarding/control"/>
-  </ds:schemaRefs>
-</ds:datastoreItem>
-</file>
-
-<file path=customXml/itemProps27.xml><?xml version="1.0" encoding="utf-8"?>
-<ds:datastoreItem xmlns:ds="http://schemas.openxmlformats.org/officeDocument/2006/customXml" ds:itemID="{71AE1ABA-EE71-4D7C-AE19-D2A04FC317D0}">
-  <ds:schemaRefs>
-    <ds:schemaRef ds:uri="http://schemas.microsoft.com/sharepoint/v3/contenttype/forms"/>
-  </ds:schemaRefs>
-</ds:datastoreItem>
-</file>
-
-<file path=customXml/itemProps28.xml><?xml version="1.0" encoding="utf-8"?>
+<file path=customXml/itemProps40.xml><?xml version="1.0" encoding="utf-8"?>
 <ds:datastoreItem xmlns:ds="http://schemas.openxmlformats.org/officeDocument/2006/customXml" ds:itemID="{11F98F69-7518-4AE2-AE7B-E037DC9DDC97}">
   <ds:schemaRefs>
     <ds:schemaRef ds:uri="http://schemas.microsoft.com/office/2006/metadata/contentType"/>
@@ -45947,24 +46374,80 @@
 </ds:datastoreItem>
 </file>
 
-<file path=customXml/itemProps29.xml><?xml version="1.0" encoding="utf-8"?>
-<ds:datastoreItem xmlns:ds="http://schemas.openxmlformats.org/officeDocument/2006/customXml" ds:itemID="{084E0550-E761-4ECF-B70B-F78D76F55320}">
+<file path=customXml/itemProps41.xml><?xml version="1.0" encoding="utf-8"?>
+<ds:datastoreItem xmlns:ds="http://schemas.openxmlformats.org/officeDocument/2006/customXml" ds:itemID="{0B54C583-7BAB-4080-8093-C5F84F5A225A}">
+  <ds:schemaRefs>
+    <ds:schemaRef ds:uri="http://schemas.microsoft.com/VisualStudio/2011/storyboarding/control"/>
+  </ds:schemaRefs>
+</ds:datastoreItem>
+</file>
+
+<file path=customXml/itemProps42.xml><?xml version="1.0" encoding="utf-8"?>
+<ds:datastoreItem xmlns:ds="http://schemas.openxmlformats.org/officeDocument/2006/customXml" ds:itemID="{3DC6CABD-46E1-4C27-A0B3-616DC56F8E5C}">
+  <ds:schemaRefs>
+    <ds:schemaRef ds:uri="http://schemas.microsoft.com/VisualStudio/2011/storyboarding/control"/>
+  </ds:schemaRefs>
+</ds:datastoreItem>
+</file>
+
+<file path=customXml/itemProps43.xml><?xml version="1.0" encoding="utf-8"?>
+<ds:datastoreItem xmlns:ds="http://schemas.openxmlformats.org/officeDocument/2006/customXml" ds:itemID="{A04E0FB3-C79D-4C6D-950F-4E1E151C9D70}">
   <ds:schemaRefs>
     <ds:schemaRef ds:uri="http://schemas.microsoft.com/sharepoint/v3/contenttype/forms"/>
   </ds:schemaRefs>
 </ds:datastoreItem>
 </file>
 
-<file path=customXml/itemProps3.xml><?xml version="1.0" encoding="utf-8"?>
-<ds:datastoreItem xmlns:ds="http://schemas.openxmlformats.org/officeDocument/2006/customXml" ds:itemID="{82DB428A-B8F8-483F-8276-095629A8ECDB}">
+<file path=customXml/itemProps44.xml><?xml version="1.0" encoding="utf-8"?>
+<ds:datastoreItem xmlns:ds="http://schemas.openxmlformats.org/officeDocument/2006/customXml" ds:itemID="{D4B5F268-5930-44CD-BDF1-D0A04D4BBC1C}">
   <ds:schemaRefs>
     <ds:schemaRef ds:uri="http://schemas.microsoft.com/VisualStudio/2011/storyboarding/control"/>
   </ds:schemaRefs>
 </ds:datastoreItem>
 </file>
 
-<file path=customXml/itemProps30.xml><?xml version="1.0" encoding="utf-8"?>
-<ds:datastoreItem xmlns:ds="http://schemas.openxmlformats.org/officeDocument/2006/customXml" ds:itemID="{F990F116-B58F-4255-B05B-DA3808E0E5C6}">
+<file path=customXml/itemProps45.xml><?xml version="1.0" encoding="utf-8"?>
+<ds:datastoreItem xmlns:ds="http://schemas.openxmlformats.org/officeDocument/2006/customXml" ds:itemID="{C0F92A87-A216-45A9-B9C0-0515663D35BF}">
+  <ds:schemaRefs>
+    <ds:schemaRef ds:uri="http://schemas.microsoft.com/VisualStudio/2011/storyboarding/control"/>
+  </ds:schemaRefs>
+</ds:datastoreItem>
+</file>
+
+<file path=customXml/itemProps46.xml><?xml version="1.0" encoding="utf-8"?>
+<ds:datastoreItem xmlns:ds="http://schemas.openxmlformats.org/officeDocument/2006/customXml" ds:itemID="{9360AFB9-8F99-4E1B-878D-F2EBABEB164C}">
+  <ds:schemaRefs>
+    <ds:schemaRef ds:uri="http://schemas.microsoft.com/sharepoint/v3/contenttype/forms"/>
+  </ds:schemaRefs>
+</ds:datastoreItem>
+</file>
+
+<file path=customXml/itemProps47.xml><?xml version="1.0" encoding="utf-8"?>
+<ds:datastoreItem xmlns:ds="http://schemas.openxmlformats.org/officeDocument/2006/customXml" ds:itemID="{4C1B3C27-4803-4D72-A3F8-6668A3F0A24B}">
+  <ds:schemaRefs>
+    <ds:schemaRef ds:uri="http://schemas.microsoft.com/VisualStudio/2011/storyboarding/control"/>
+  </ds:schemaRefs>
+</ds:datastoreItem>
+</file>
+
+<file path=customXml/itemProps48.xml><?xml version="1.0" encoding="utf-8"?>
+<ds:datastoreItem xmlns:ds="http://schemas.openxmlformats.org/officeDocument/2006/customXml" ds:itemID="{2F30C844-8093-47D2-A9B2-B7BEE821CE68}">
+  <ds:schemaRefs>
+    <ds:schemaRef ds:uri="http://schemas.microsoft.com/sharepoint/v3/contenttype/forms"/>
+  </ds:schemaRefs>
+</ds:datastoreItem>
+</file>
+
+<file path=customXml/itemProps49.xml><?xml version="1.0" encoding="utf-8"?>
+<ds:datastoreItem xmlns:ds="http://schemas.openxmlformats.org/officeDocument/2006/customXml" ds:itemID="{ED350DFE-2319-4AB0-BC96-1D36D125365A}">
+  <ds:schemaRefs>
+    <ds:schemaRef ds:uri="http://schemas.microsoft.com/VisualStudio/2011/storyboarding/control"/>
+  </ds:schemaRefs>
+</ds:datastoreItem>
+</file>
+
+<file path=customXml/itemProps5.xml><?xml version="1.0" encoding="utf-8"?>
+<ds:datastoreItem xmlns:ds="http://schemas.openxmlformats.org/officeDocument/2006/customXml" ds:itemID="{6018CCD6-C254-44D3-91D5-EC4D81FDEBEC}">
   <ds:schemaRefs>
     <ds:schemaRef ds:uri="http://schemas.microsoft.com/office/2006/metadata/properties"/>
     <ds:schemaRef ds:uri="http://schemas.microsoft.com/office/infopath/2007/PartnerControls"/>
@@ -45973,31 +46456,23 @@
 </ds:datastoreItem>
 </file>
 
-<file path=customXml/itemProps31.xml><?xml version="1.0" encoding="utf-8"?>
-<ds:datastoreItem xmlns:ds="http://schemas.openxmlformats.org/officeDocument/2006/customXml" ds:itemID="{D4B5F268-5930-44CD-BDF1-D0A04D4BBC1C}">
+<file path=customXml/itemProps50.xml><?xml version="1.0" encoding="utf-8"?>
+<ds:datastoreItem xmlns:ds="http://schemas.openxmlformats.org/officeDocument/2006/customXml" ds:itemID="{366CA990-F93D-4100-9654-65D9E30F4E1C}">
   <ds:schemaRefs>
     <ds:schemaRef ds:uri="http://schemas.microsoft.com/VisualStudio/2011/storyboarding/control"/>
   </ds:schemaRefs>
 </ds:datastoreItem>
 </file>
 
-<file path=customXml/itemProps32.xml><?xml version="1.0" encoding="utf-8"?>
-<ds:datastoreItem xmlns:ds="http://schemas.openxmlformats.org/officeDocument/2006/customXml" ds:itemID="{67213E6F-7B96-4222-888B-63710B06D885}">
+<file path=customXml/itemProps51.xml><?xml version="1.0" encoding="utf-8"?>
+<ds:datastoreItem xmlns:ds="http://schemas.openxmlformats.org/officeDocument/2006/customXml" ds:itemID="{3C954CC5-1CAC-4EC3-9791-8630483065B9}">
   <ds:schemaRefs>
     <ds:schemaRef ds:uri="http://schemas.microsoft.com/VisualStudio/2011/storyboarding/control"/>
   </ds:schemaRefs>
 </ds:datastoreItem>
 </file>
 
-<file path=customXml/itemProps33.xml><?xml version="1.0" encoding="utf-8"?>
-<ds:datastoreItem xmlns:ds="http://schemas.openxmlformats.org/officeDocument/2006/customXml" ds:itemID="{470353D1-3545-4BE2-A17C-548BF46AD9BC}">
-  <ds:schemaRefs>
-    <ds:schemaRef ds:uri="http://schemas.microsoft.com/sharepoint/v3/contenttype/forms"/>
-  </ds:schemaRefs>
-</ds:datastoreItem>
-</file>
-
-<file path=customXml/itemProps34.xml><?xml version="1.0" encoding="utf-8"?>
+<file path=customXml/itemProps52.xml><?xml version="1.0" encoding="utf-8"?>
 <ds:datastoreItem xmlns:ds="http://schemas.openxmlformats.org/officeDocument/2006/customXml" ds:itemID="{4D2DC492-0615-4887-9A7E-502F1DC6E1B8}">
   <ds:schemaRefs>
     <ds:schemaRef ds:uri="http://schemas.microsoft.com/office/2006/metadata/properties"/>
@@ -46007,149 +46482,7 @@
 </ds:datastoreItem>
 </file>
 
-<file path=customXml/itemProps35.xml><?xml version="1.0" encoding="utf-8"?>
-<ds:datastoreItem xmlns:ds="http://schemas.openxmlformats.org/officeDocument/2006/customXml" ds:itemID="{D6FEE829-2115-45B4-8110-670FD454542B}">
-  <ds:schemaRefs>
-    <ds:schemaRef ds:uri="http://schemas.microsoft.com/VisualStudio/2011/storyboarding/control"/>
-  </ds:schemaRefs>
-</ds:datastoreItem>
-</file>
-
-<file path=customXml/itemProps36.xml><?xml version="1.0" encoding="utf-8"?>
-<ds:datastoreItem xmlns:ds="http://schemas.openxmlformats.org/officeDocument/2006/customXml" ds:itemID="{0B54C583-7BAB-4080-8093-C5F84F5A225A}">
-  <ds:schemaRefs>
-    <ds:schemaRef ds:uri="http://schemas.microsoft.com/VisualStudio/2011/storyboarding/control"/>
-  </ds:schemaRefs>
-</ds:datastoreItem>
-</file>
-
-<file path=customXml/itemProps37.xml><?xml version="1.0" encoding="utf-8"?>
-<ds:datastoreItem xmlns:ds="http://schemas.openxmlformats.org/officeDocument/2006/customXml" ds:itemID="{E692D73E-1478-4790-BEEC-C5C534998F40}">
-  <ds:schemaRefs>
-    <ds:schemaRef ds:uri="http://schemas.microsoft.com/office/2006/metadata/properties"/>
-    <ds:schemaRef ds:uri="http://schemas.microsoft.com/office/infopath/2007/PartnerControls"/>
-    <ds:schemaRef ds:uri="83cd2334-221a-48c3-9034-bfd1542dfe28"/>
-  </ds:schemaRefs>
-</ds:datastoreItem>
-</file>
-
-<file path=customXml/itemProps38.xml><?xml version="1.0" encoding="utf-8"?>
-<ds:datastoreItem xmlns:ds="http://schemas.openxmlformats.org/officeDocument/2006/customXml" ds:itemID="{758FDAC0-319D-4A54-8D8E-1D42CB1F8004}">
-  <ds:schemaRefs>
-    <ds:schemaRef ds:uri="http://schemas.microsoft.com/sharepoint/v3/contenttype/forms"/>
-  </ds:schemaRefs>
-</ds:datastoreItem>
-</file>
-
-<file path=customXml/itemProps39.xml><?xml version="1.0" encoding="utf-8"?>
-<ds:datastoreItem xmlns:ds="http://schemas.openxmlformats.org/officeDocument/2006/customXml" ds:itemID="{3C954CC5-1CAC-4EC3-9791-8630483065B9}">
-  <ds:schemaRefs>
-    <ds:schemaRef ds:uri="http://schemas.microsoft.com/VisualStudio/2011/storyboarding/control"/>
-  </ds:schemaRefs>
-</ds:datastoreItem>
-</file>
-
-<file path=customXml/itemProps4.xml><?xml version="1.0" encoding="utf-8"?>
-<ds:datastoreItem xmlns:ds="http://schemas.openxmlformats.org/officeDocument/2006/customXml" ds:itemID="{4C1B3C27-4803-4D72-A3F8-6668A3F0A24B}">
-  <ds:schemaRefs>
-    <ds:schemaRef ds:uri="http://schemas.microsoft.com/VisualStudio/2011/storyboarding/control"/>
-  </ds:schemaRefs>
-</ds:datastoreItem>
-</file>
-
-<file path=customXml/itemProps40.xml><?xml version="1.0" encoding="utf-8"?>
-<ds:datastoreItem xmlns:ds="http://schemas.openxmlformats.org/officeDocument/2006/customXml" ds:itemID="{6B54639E-AC34-4B67-A9D5-6F9852696283}">
-  <ds:schemaRefs>
-    <ds:schemaRef ds:uri="http://schemas.microsoft.com/office/2006/metadata/properties"/>
-    <ds:schemaRef ds:uri="http://schemas.microsoft.com/office/infopath/2007/PartnerControls"/>
-    <ds:schemaRef ds:uri="83cd2334-221a-48c3-9034-bfd1542dfe28"/>
-  </ds:schemaRefs>
-</ds:datastoreItem>
-</file>
-
-<file path=customXml/itemProps41.xml><?xml version="1.0" encoding="utf-8"?>
-<ds:datastoreItem xmlns:ds="http://schemas.openxmlformats.org/officeDocument/2006/customXml" ds:itemID="{7959CC6A-F423-4783-B968-3BCC86A7394E}">
-  <ds:schemaRefs>
-    <ds:schemaRef ds:uri="http://schemas.microsoft.com/VisualStudio/2011/storyboarding/control"/>
-  </ds:schemaRefs>
-</ds:datastoreItem>
-</file>
-
-<file path=customXml/itemProps42.xml><?xml version="1.0" encoding="utf-8"?>
-<ds:datastoreItem xmlns:ds="http://schemas.openxmlformats.org/officeDocument/2006/customXml" ds:itemID="{473A6A21-7521-4B81-9336-9B587BA12275}">
-  <ds:schemaRefs>
-    <ds:schemaRef ds:uri="http://schemas.microsoft.com/office/2006/metadata/properties"/>
-    <ds:schemaRef ds:uri="http://schemas.microsoft.com/office/infopath/2007/PartnerControls"/>
-    <ds:schemaRef ds:uri="83cd2334-221a-48c3-9034-bfd1542dfe28"/>
-  </ds:schemaRefs>
-</ds:datastoreItem>
-</file>
-
-<file path=customXml/itemProps43.xml><?xml version="1.0" encoding="utf-8"?>
-<ds:datastoreItem xmlns:ds="http://schemas.openxmlformats.org/officeDocument/2006/customXml" ds:itemID="{6FB9D450-4C47-4A44-8C0D-C78D8A54C46F}">
-  <ds:schemaRefs>
-    <ds:schemaRef ds:uri="http://schemas.microsoft.com/VisualStudio/2011/storyboarding/control"/>
-  </ds:schemaRefs>
-</ds:datastoreItem>
-</file>
-
-<file path=customXml/itemProps44.xml><?xml version="1.0" encoding="utf-8"?>
-<ds:datastoreItem xmlns:ds="http://schemas.openxmlformats.org/officeDocument/2006/customXml" ds:itemID="{C0F92A87-A216-45A9-B9C0-0515663D35BF}">
-  <ds:schemaRefs>
-    <ds:schemaRef ds:uri="http://schemas.microsoft.com/VisualStudio/2011/storyboarding/control"/>
-  </ds:schemaRefs>
-</ds:datastoreItem>
-</file>
-
-<file path=customXml/itemProps45.xml><?xml version="1.0" encoding="utf-8"?>
-<ds:datastoreItem xmlns:ds="http://schemas.openxmlformats.org/officeDocument/2006/customXml" ds:itemID="{F68D8396-E21C-4AFF-8FDD-70D00673D0EE}">
-  <ds:schemaRefs>
-    <ds:schemaRef ds:uri="http://schemas.microsoft.com/VisualStudio/2011/storyboarding/control"/>
-  </ds:schemaRefs>
-</ds:datastoreItem>
-</file>
-
-<file path=customXml/itemProps46.xml><?xml version="1.0" encoding="utf-8"?>
-<ds:datastoreItem xmlns:ds="http://schemas.openxmlformats.org/officeDocument/2006/customXml" ds:itemID="{8CFA17AA-8D1D-41BA-81E2-B1C9B1D8F8E0}">
-  <ds:schemaRefs>
-    <ds:schemaRef ds:uri="http://schemas.microsoft.com/sharepoint/v3/contenttype/forms"/>
-  </ds:schemaRefs>
-</ds:datastoreItem>
-</file>
-
-<file path=customXml/itemProps47.xml><?xml version="1.0" encoding="utf-8"?>
-<ds:datastoreItem xmlns:ds="http://schemas.openxmlformats.org/officeDocument/2006/customXml" ds:itemID="{4E8278DB-3CDD-48A7-992E-A7596AD335B9}">
-  <ds:schemaRefs>
-    <ds:schemaRef ds:uri="http://schemas.microsoft.com/VisualStudio/2011/storyboarding/control"/>
-  </ds:schemaRefs>
-</ds:datastoreItem>
-</file>
-
-<file path=customXml/itemProps48.xml><?xml version="1.0" encoding="utf-8"?>
-<ds:datastoreItem xmlns:ds="http://schemas.openxmlformats.org/officeDocument/2006/customXml" ds:itemID="{21F6B647-976A-41D0-B760-9DF9DFC6AE3C}">
-  <ds:schemaRefs>
-    <ds:schemaRef ds:uri="http://schemas.microsoft.com/VisualStudio/2011/storyboarding/control"/>
-  </ds:schemaRefs>
-</ds:datastoreItem>
-</file>
-
-<file path=customXml/itemProps49.xml><?xml version="1.0" encoding="utf-8"?>
-<ds:datastoreItem xmlns:ds="http://schemas.openxmlformats.org/officeDocument/2006/customXml" ds:itemID="{3DC6CABD-46E1-4C27-A0B3-616DC56F8E5C}">
-  <ds:schemaRefs>
-    <ds:schemaRef ds:uri="http://schemas.microsoft.com/VisualStudio/2011/storyboarding/control"/>
-  </ds:schemaRefs>
-</ds:datastoreItem>
-</file>
-
-<file path=customXml/itemProps5.xml><?xml version="1.0" encoding="utf-8"?>
-<ds:datastoreItem xmlns:ds="http://schemas.openxmlformats.org/officeDocument/2006/customXml" ds:itemID="{FE651ABA-5DC1-4ABD-A06E-055AE54B337B}">
-  <ds:schemaRefs>
-    <ds:schemaRef ds:uri="http://schemas.microsoft.com/VisualStudio/2011/storyboarding/control"/>
-  </ds:schemaRefs>
-</ds:datastoreItem>
-</file>
-
-<file path=customXml/itemProps50.xml><?xml version="1.0" encoding="utf-8"?>
+<file path=customXml/itemProps53.xml><?xml version="1.0" encoding="utf-8"?>
 <ds:datastoreItem xmlns:ds="http://schemas.openxmlformats.org/officeDocument/2006/customXml" ds:itemID="{8257D6BC-B71E-4D95-81E4-A1D4A8174168}">
   <ds:schemaRefs>
     <ds:schemaRef ds:uri="http://schemas.microsoft.com/VisualStudio/2011/storyboarding/control"/>
@@ -46157,42 +46490,16 @@
 </ds:datastoreItem>
 </file>
 
-<file path=customXml/itemProps51.xml><?xml version="1.0" encoding="utf-8"?>
-<ds:datastoreItem xmlns:ds="http://schemas.openxmlformats.org/officeDocument/2006/customXml" ds:itemID="{8BD595CA-AC5E-43B9-B966-E468A16E8322}">
+<file path=customXml/itemProps6.xml><?xml version="1.0" encoding="utf-8"?>
+<ds:datastoreItem xmlns:ds="http://schemas.openxmlformats.org/officeDocument/2006/customXml" ds:itemID="{4B16F4FE-7C26-4443-B426-81998D23ED87}">
   <ds:schemaRefs>
     <ds:schemaRef ds:uri="http://schemas.microsoft.com/VisualStudio/2011/storyboarding/control"/>
   </ds:schemaRefs>
 </ds:datastoreItem>
 </file>
 
-<file path=customXml/itemProps52.xml><?xml version="1.0" encoding="utf-8"?>
-<ds:datastoreItem xmlns:ds="http://schemas.openxmlformats.org/officeDocument/2006/customXml" ds:itemID="{9360AFB9-8F99-4E1B-878D-F2EBABEB164C}">
-  <ds:schemaRefs>
-    <ds:schemaRef ds:uri="http://schemas.microsoft.com/sharepoint/v3/contenttype/forms"/>
-  </ds:schemaRefs>
-</ds:datastoreItem>
-</file>
-
-<file path=customXml/itemProps53.xml><?xml version="1.0" encoding="utf-8"?>
-<ds:datastoreItem xmlns:ds="http://schemas.openxmlformats.org/officeDocument/2006/customXml" ds:itemID="{17A7EC28-79CF-44E6-BA48-85916A7F29F5}">
-  <ds:schemaRefs>
-    <ds:schemaRef ds:uri="http://schemas.microsoft.com/office/2006/metadata/properties"/>
-    <ds:schemaRef ds:uri="http://schemas.microsoft.com/office/infopath/2007/PartnerControls"/>
-    <ds:schemaRef ds:uri="83cd2334-221a-48c3-9034-bfd1542dfe28"/>
-  </ds:schemaRefs>
-</ds:datastoreItem>
-</file>
-
-<file path=customXml/itemProps6.xml><?xml version="1.0" encoding="utf-8"?>
-<ds:datastoreItem xmlns:ds="http://schemas.openxmlformats.org/officeDocument/2006/customXml" ds:itemID="{8E7D1C6F-2F1C-4FF7-8E81-B00199180E81}">
-  <ds:schemaRefs>
-    <ds:schemaRef ds:uri="http://schemas.microsoft.com/sharepoint/v3/contenttype/forms"/>
-  </ds:schemaRefs>
-</ds:datastoreItem>
-</file>
-
 <file path=customXml/itemProps7.xml><?xml version="1.0" encoding="utf-8"?>
-<ds:datastoreItem xmlns:ds="http://schemas.openxmlformats.org/officeDocument/2006/customXml" ds:itemID="{6018CCD6-C254-44D3-91D5-EC4D81FDEBEC}">
+<ds:datastoreItem xmlns:ds="http://schemas.openxmlformats.org/officeDocument/2006/customXml" ds:itemID="{CA892322-6599-4C5A-B402-BE6DBAED9B8E}">
   <ds:schemaRefs>
     <ds:schemaRef ds:uri="http://schemas.microsoft.com/office/2006/metadata/properties"/>
     <ds:schemaRef ds:uri="http://schemas.microsoft.com/office/infopath/2007/PartnerControls"/>
@@ -46202,17 +46509,19 @@
 </file>
 
 <file path=customXml/itemProps8.xml><?xml version="1.0" encoding="utf-8"?>
-<ds:datastoreItem xmlns:ds="http://schemas.openxmlformats.org/officeDocument/2006/customXml" ds:itemID="{8893E80D-6D0C-4E0F-AA22-E5615BB87E5B}">
+<ds:datastoreItem xmlns:ds="http://schemas.openxmlformats.org/officeDocument/2006/customXml" ds:itemID="{084E0550-E761-4ECF-B70B-F78D76F55320}">
   <ds:schemaRefs>
-    <ds:schemaRef ds:uri="http://schemas.microsoft.com/VisualStudio/2011/storyboarding/control"/>
+    <ds:schemaRef ds:uri="http://schemas.microsoft.com/sharepoint/v3/contenttype/forms"/>
   </ds:schemaRefs>
 </ds:datastoreItem>
 </file>
 
 <file path=customXml/itemProps9.xml><?xml version="1.0" encoding="utf-8"?>
-<ds:datastoreItem xmlns:ds="http://schemas.openxmlformats.org/officeDocument/2006/customXml" ds:itemID="{2F30C844-8093-47D2-A9B2-B7BEE821CE68}">
+<ds:datastoreItem xmlns:ds="http://schemas.openxmlformats.org/officeDocument/2006/customXml" ds:itemID="{1C76383C-FD09-474B-94B3-126FB1A7D094}">
   <ds:schemaRefs>
-    <ds:schemaRef ds:uri="http://schemas.microsoft.com/sharepoint/v3/contenttype/forms"/>
+    <ds:schemaRef ds:uri="http://schemas.microsoft.com/office/2006/metadata/properties"/>
+    <ds:schemaRef ds:uri="http://schemas.microsoft.com/office/infopath/2007/PartnerControls"/>
+    <ds:schemaRef ds:uri="83cd2334-221a-48c3-9034-bfd1542dfe28"/>
   </ds:schemaRefs>
 </ds:datastoreItem>
 </file>